--- a/doc/2020-4조_발표PPT.pptx
+++ b/doc/2020-4조_발표PPT.pptx
@@ -34451,426 +34451,6 @@
       </p:grpSpPr>
       <p:grpSp>
         <p:nvGrpSpPr>
-          <p:cNvPr id="14" name="그룹 13">
-            <a:extLst>
-              <a:ext uri="{FF2B5EF4-FFF2-40B4-BE49-F238E27FC236}">
-                <a16:creationId xmlns:a16="http://schemas.microsoft.com/office/drawing/2014/main" id="{2BAC5CEA-6AF7-4DBC-BD2B-BD0F93E23577}"/>
-              </a:ext>
-            </a:extLst>
-          </p:cNvPr>
-          <p:cNvGrpSpPr/>
-          <p:nvPr/>
-        </p:nvGrpSpPr>
-        <p:grpSpPr>
-          <a:xfrm>
-            <a:off x="2264819" y="2606377"/>
-            <a:ext cx="2589905" cy="2611957"/>
-            <a:chOff x="2313172" y="2201637"/>
-            <a:chExt cx="2589905" cy="2611957"/>
-          </a:xfrm>
-        </p:grpSpPr>
-        <p:sp>
-          <p:nvSpPr>
-            <p:cNvPr id="21" name="원호 20"/>
-            <p:cNvSpPr/>
-            <p:nvPr/>
-          </p:nvSpPr>
-          <p:spPr>
-            <a:xfrm>
-              <a:off x="2449942" y="2337342"/>
-              <a:ext cx="2453135" cy="2476252"/>
-            </a:xfrm>
-            <a:prstGeom prst="arc">
-              <a:avLst>
-                <a:gd name="adj1" fmla="val 16096352"/>
-                <a:gd name="adj2" fmla="val 8630347"/>
-              </a:avLst>
-            </a:prstGeom>
-            <a:solidFill>
-              <a:srgbClr val="F2F2F2"/>
-            </a:solidFill>
-            <a:ln w="190500">
-              <a:solidFill>
-                <a:srgbClr val="24292E"/>
-              </a:solidFill>
-            </a:ln>
-            <a:effectLst>
-              <a:outerShdw blurRad="50800" dist="38100" dir="2700000" algn="tl" rotWithShape="0">
-                <a:prstClr val="black">
-                  <a:alpha val="40000"/>
-                </a:prstClr>
-              </a:outerShdw>
-            </a:effectLst>
-          </p:spPr>
-          <p:style>
-            <a:lnRef idx="1">
-              <a:schemeClr val="accent1"/>
-            </a:lnRef>
-            <a:fillRef idx="0">
-              <a:schemeClr val="accent1"/>
-            </a:fillRef>
-            <a:effectRef idx="0">
-              <a:schemeClr val="accent1"/>
-            </a:effectRef>
-            <a:fontRef idx="minor">
-              <a:schemeClr val="tx1"/>
-            </a:fontRef>
-          </p:style>
-          <p:txBody>
-            <a:bodyPr rtlCol="0" anchor="ctr"/>
-            <a:lstStyle/>
-            <a:p>
-              <a:pPr algn="ctr"/>
-              <a:endParaRPr lang="ko-KR" altLang="en-US" sz="2160" dirty="0">
-                <a:solidFill>
-                  <a:srgbClr val="586069"/>
-                </a:solidFill>
-                <a:latin typeface="+mn-ea"/>
-              </a:endParaRPr>
-            </a:p>
-          </p:txBody>
-        </p:sp>
-        <p:sp>
-          <p:nvSpPr>
-            <p:cNvPr id="23" name="TextBox 22"/>
-            <p:cNvSpPr txBox="1"/>
-            <p:nvPr/>
-          </p:nvSpPr>
-          <p:spPr>
-            <a:xfrm>
-              <a:off x="2313172" y="2201637"/>
-              <a:ext cx="1247806" cy="646331"/>
-            </a:xfrm>
-            <a:prstGeom prst="rect">
-              <a:avLst/>
-            </a:prstGeom>
-            <a:noFill/>
-          </p:spPr>
-          <p:txBody>
-            <a:bodyPr wrap="square" rtlCol="0">
-              <a:spAutoFit/>
-            </a:bodyPr>
-            <a:lstStyle/>
-            <a:p>
-              <a:pPr algn="ctr"/>
-              <a:r>
-                <a:rPr lang="en-US" altLang="ko-KR" sz="3600" b="1" dirty="0">
-                  <a:solidFill>
-                    <a:srgbClr val="586069"/>
-                  </a:solidFill>
-                  <a:latin typeface="+mn-ea"/>
-                </a:rPr>
-                <a:t>68</a:t>
-              </a:r>
-              <a:r>
-                <a:rPr lang="en-US" altLang="ko-KR" sz="2000" b="1" dirty="0">
-                  <a:solidFill>
-                    <a:srgbClr val="586069"/>
-                  </a:solidFill>
-                  <a:latin typeface="+mn-ea"/>
-                </a:rPr>
-                <a:t>%</a:t>
-              </a:r>
-              <a:endParaRPr lang="en-US" altLang="ko-KR" sz="1100" b="1" dirty="0">
-                <a:solidFill>
-                  <a:srgbClr val="586069"/>
-                </a:solidFill>
-                <a:latin typeface="+mn-ea"/>
-              </a:endParaRPr>
-            </a:p>
-          </p:txBody>
-        </p:sp>
-        <p:sp>
-          <p:nvSpPr>
-            <p:cNvPr id="24" name="직사각형 23"/>
-            <p:cNvSpPr/>
-            <p:nvPr/>
-          </p:nvSpPr>
-          <p:spPr>
-            <a:xfrm>
-              <a:off x="2763248" y="3318608"/>
-              <a:ext cx="1787610" cy="373885"/>
-            </a:xfrm>
-            <a:prstGeom prst="rect">
-              <a:avLst/>
-            </a:prstGeom>
-          </p:spPr>
-          <p:txBody>
-            <a:bodyPr wrap="square">
-              <a:spAutoFit/>
-            </a:bodyPr>
-            <a:lstStyle/>
-            <a:p>
-              <a:pPr algn="ctr">
-                <a:lnSpc>
-                  <a:spcPct val="150000"/>
-                </a:lnSpc>
-              </a:pPr>
-              <a:r>
-                <a:rPr lang="ko-KR" altLang="en-US" sz="1400" b="1" dirty="0">
-                  <a:solidFill>
-                    <a:srgbClr val="586069"/>
-                  </a:solidFill>
-                  <a:latin typeface="+mn-ea"/>
-                </a:rPr>
-                <a:t>거의 매일 이용</a:t>
-              </a:r>
-              <a:endParaRPr lang="en-US" altLang="ko-KR" sz="1400" b="1" dirty="0">
-                <a:solidFill>
-                  <a:srgbClr val="586069"/>
-                </a:solidFill>
-                <a:latin typeface="+mn-ea"/>
-              </a:endParaRPr>
-            </a:p>
-          </p:txBody>
-        </p:sp>
-      </p:grpSp>
-      <p:grpSp>
-        <p:nvGrpSpPr>
-          <p:cNvPr id="15" name="그룹 14">
-            <a:extLst>
-              <a:ext uri="{FF2B5EF4-FFF2-40B4-BE49-F238E27FC236}">
-                <a16:creationId xmlns:a16="http://schemas.microsoft.com/office/drawing/2014/main" id="{E87756E4-E0DB-4F62-82A2-3E9751C60CBA}"/>
-              </a:ext>
-            </a:extLst>
-          </p:cNvPr>
-          <p:cNvGrpSpPr/>
-          <p:nvPr/>
-        </p:nvGrpSpPr>
-        <p:grpSpPr>
-          <a:xfrm>
-            <a:off x="7169476" y="2585341"/>
-            <a:ext cx="2530089" cy="2653357"/>
-            <a:chOff x="7217829" y="2180601"/>
-            <a:chExt cx="2530089" cy="2653357"/>
-          </a:xfrm>
-        </p:grpSpPr>
-        <p:sp>
-          <p:nvSpPr>
-            <p:cNvPr id="16" name="원호 15">
-              <a:extLst>
-                <a:ext uri="{FF2B5EF4-FFF2-40B4-BE49-F238E27FC236}">
-                  <a16:creationId xmlns:a16="http://schemas.microsoft.com/office/drawing/2014/main" id="{04B80998-A1E4-4C34-BB35-254D438E39F3}"/>
-                </a:ext>
-              </a:extLst>
-            </p:cNvPr>
-            <p:cNvSpPr/>
-            <p:nvPr/>
-          </p:nvSpPr>
-          <p:spPr>
-            <a:xfrm>
-              <a:off x="7294784" y="2357706"/>
-              <a:ext cx="2453134" cy="2476252"/>
-            </a:xfrm>
-            <a:prstGeom prst="arc">
-              <a:avLst>
-                <a:gd name="adj1" fmla="val 16096352"/>
-                <a:gd name="adj2" fmla="val 3208652"/>
-              </a:avLst>
-            </a:prstGeom>
-            <a:ln w="190500">
-              <a:solidFill>
-                <a:srgbClr val="24292E"/>
-              </a:solidFill>
-            </a:ln>
-            <a:effectLst>
-              <a:outerShdw blurRad="50800" dist="38100" dir="2700000" algn="tl" rotWithShape="0">
-                <a:prstClr val="black">
-                  <a:alpha val="40000"/>
-                </a:prstClr>
-              </a:outerShdw>
-            </a:effectLst>
-          </p:spPr>
-          <p:style>
-            <a:lnRef idx="1">
-              <a:schemeClr val="accent1"/>
-            </a:lnRef>
-            <a:fillRef idx="0">
-              <a:schemeClr val="accent1"/>
-            </a:fillRef>
-            <a:effectRef idx="0">
-              <a:schemeClr val="accent1"/>
-            </a:effectRef>
-            <a:fontRef idx="minor">
-              <a:schemeClr val="tx1"/>
-            </a:fontRef>
-          </p:style>
-          <p:txBody>
-            <a:bodyPr rtlCol="0" anchor="ctr"/>
-            <a:lstStyle/>
-            <a:p>
-              <a:pPr algn="ctr"/>
-              <a:endParaRPr lang="ko-KR" altLang="en-US" sz="2160" dirty="0">
-                <a:solidFill>
-                  <a:srgbClr val="586069"/>
-                </a:solidFill>
-                <a:latin typeface="+mn-ea"/>
-              </a:endParaRPr>
-            </a:p>
-          </p:txBody>
-        </p:sp>
-        <p:sp>
-          <p:nvSpPr>
-            <p:cNvPr id="17" name="직사각형 16">
-              <a:extLst>
-                <a:ext uri="{FF2B5EF4-FFF2-40B4-BE49-F238E27FC236}">
-                  <a16:creationId xmlns:a16="http://schemas.microsoft.com/office/drawing/2014/main" id="{ECF07780-FEC2-4559-891E-C879978ACA55}"/>
-                </a:ext>
-              </a:extLst>
-            </p:cNvPr>
-            <p:cNvSpPr/>
-            <p:nvPr/>
-          </p:nvSpPr>
-          <p:spPr>
-            <a:xfrm>
-              <a:off x="7679805" y="3085724"/>
-              <a:ext cx="1683092" cy="1020216"/>
-            </a:xfrm>
-            <a:prstGeom prst="rect">
-              <a:avLst/>
-            </a:prstGeom>
-          </p:spPr>
-          <p:txBody>
-            <a:bodyPr wrap="square">
-              <a:spAutoFit/>
-            </a:bodyPr>
-            <a:lstStyle/>
-            <a:p>
-              <a:pPr algn="ctr">
-                <a:lnSpc>
-                  <a:spcPct val="150000"/>
-                </a:lnSpc>
-              </a:pPr>
-              <a:r>
-                <a:rPr lang="ko-KR" altLang="en-US" sz="1400" b="1" dirty="0">
-                  <a:solidFill>
-                    <a:srgbClr val="586069"/>
-                  </a:solidFill>
-                  <a:latin typeface="+mn-ea"/>
-                </a:rPr>
-                <a:t>성인인증을 </a:t>
-              </a:r>
-              <a:endParaRPr lang="en-US" altLang="ko-KR" sz="1400" b="1" dirty="0">
-                <a:solidFill>
-                  <a:srgbClr val="586069"/>
-                </a:solidFill>
-                <a:latin typeface="+mn-ea"/>
-              </a:endParaRPr>
-            </a:p>
-            <a:p>
-              <a:pPr algn="ctr">
-                <a:lnSpc>
-                  <a:spcPct val="150000"/>
-                </a:lnSpc>
-              </a:pPr>
-              <a:r>
-                <a:rPr lang="ko-KR" altLang="en-US" sz="1400" b="1">
-                  <a:solidFill>
-                    <a:srgbClr val="586069"/>
-                  </a:solidFill>
-                  <a:latin typeface="+mn-ea"/>
-                </a:rPr>
-                <a:t>하지 않고도 </a:t>
-              </a:r>
-              <a:endParaRPr lang="en-US" altLang="ko-KR" sz="1400" b="1">
-                <a:solidFill>
-                  <a:srgbClr val="586069"/>
-                </a:solidFill>
-                <a:latin typeface="+mn-ea"/>
-              </a:endParaRPr>
-            </a:p>
-            <a:p>
-              <a:pPr algn="ctr">
-                <a:lnSpc>
-                  <a:spcPct val="150000"/>
-                </a:lnSpc>
-              </a:pPr>
-              <a:r>
-                <a:rPr lang="ko-KR" altLang="en-US" sz="1400" b="1">
-                  <a:solidFill>
-                    <a:srgbClr val="586069"/>
-                  </a:solidFill>
-                  <a:latin typeface="+mn-ea"/>
-                </a:rPr>
-                <a:t>성인자료 접근</a:t>
-              </a:r>
-              <a:r>
-                <a:rPr lang="en-US" altLang="ko-KR" sz="1400" b="1">
-                  <a:solidFill>
-                    <a:srgbClr val="586069"/>
-                  </a:solidFill>
-                  <a:latin typeface="+mn-ea"/>
-                </a:rPr>
-                <a:t>.</a:t>
-              </a:r>
-              <a:endParaRPr lang="en-US" altLang="ko-KR" sz="1400" b="1" dirty="0">
-                <a:solidFill>
-                  <a:srgbClr val="586069"/>
-                </a:solidFill>
-                <a:latin typeface="+mn-ea"/>
-              </a:endParaRPr>
-            </a:p>
-          </p:txBody>
-        </p:sp>
-        <p:sp>
-          <p:nvSpPr>
-            <p:cNvPr id="18" name="TextBox 17">
-              <a:extLst>
-                <a:ext uri="{FF2B5EF4-FFF2-40B4-BE49-F238E27FC236}">
-                  <a16:creationId xmlns:a16="http://schemas.microsoft.com/office/drawing/2014/main" id="{ABAC31C0-B1E0-48BA-AFDD-7902E08579AD}"/>
-                </a:ext>
-              </a:extLst>
-            </p:cNvPr>
-            <p:cNvSpPr txBox="1"/>
-            <p:nvPr/>
-          </p:nvSpPr>
-          <p:spPr>
-            <a:xfrm>
-              <a:off x="7217829" y="2180601"/>
-              <a:ext cx="1247806" cy="646331"/>
-            </a:xfrm>
-            <a:prstGeom prst="rect">
-              <a:avLst/>
-            </a:prstGeom>
-            <a:noFill/>
-          </p:spPr>
-          <p:txBody>
-            <a:bodyPr wrap="square" rtlCol="0">
-              <a:spAutoFit/>
-            </a:bodyPr>
-            <a:lstStyle/>
-            <a:p>
-              <a:pPr algn="ctr"/>
-              <a:r>
-                <a:rPr lang="en-US" altLang="ko-KR" sz="3600" b="1" dirty="0">
-                  <a:solidFill>
-                    <a:srgbClr val="586069"/>
-                  </a:solidFill>
-                  <a:latin typeface="+mn-ea"/>
-                </a:rPr>
-                <a:t>41</a:t>
-              </a:r>
-              <a:r>
-                <a:rPr lang="en-US" altLang="ko-KR" sz="2000" b="1" dirty="0">
-                  <a:solidFill>
-                    <a:srgbClr val="586069"/>
-                  </a:solidFill>
-                  <a:latin typeface="+mn-ea"/>
-                </a:rPr>
-                <a:t>%</a:t>
-              </a:r>
-              <a:endParaRPr lang="en-US" altLang="ko-KR" sz="1100" b="1" dirty="0">
-                <a:solidFill>
-                  <a:srgbClr val="586069"/>
-                </a:solidFill>
-                <a:latin typeface="+mn-ea"/>
-              </a:endParaRPr>
-            </a:p>
-          </p:txBody>
-        </p:sp>
-      </p:grpSp>
-      <p:grpSp>
-        <p:nvGrpSpPr>
           <p:cNvPr id="20" name="그룹 19">
             <a:extLst>
               <a:ext uri="{FF2B5EF4-FFF2-40B4-BE49-F238E27FC236}">
@@ -35184,13 +34764,13 @@
           <p:nvPr>
             <p:extLst>
               <p:ext uri="{D42A27DB-BD31-4B8C-83A1-F6EECF244321}">
-                <p14:modId xmlns:p14="http://schemas.microsoft.com/office/powerpoint/2010/main" val="3560148509"/>
+                <p14:modId xmlns:p14="http://schemas.microsoft.com/office/powerpoint/2010/main" val="886656397"/>
               </p:ext>
             </p:extLst>
           </p:nvPr>
         </p:nvGraphicFramePr>
         <p:xfrm>
-          <a:off x="2264819" y="1826147"/>
+          <a:off x="1722558" y="1854713"/>
           <a:ext cx="7815566" cy="5003287"/>
         </p:xfrm>
         <a:graphic>
@@ -35404,186 +34984,6 @@
                       </p:childTnLst>
                     </p:cTn>
                   </p:par>
-                  <p:par>
-                    <p:cTn id="14" fill="hold">
-                      <p:stCondLst>
-                        <p:cond delay="indefinite"/>
-                      </p:stCondLst>
-                      <p:childTnLst>
-                        <p:par>
-                          <p:cTn id="15" fill="hold">
-                            <p:stCondLst>
-                              <p:cond delay="0"/>
-                            </p:stCondLst>
-                            <p:childTnLst>
-                              <p:par>
-                                <p:cTn id="16" presetID="42" presetClass="entr" presetSubtype="0" fill="hold" nodeType="clickEffect">
-                                  <p:stCondLst>
-                                    <p:cond delay="0"/>
-                                  </p:stCondLst>
-                                  <p:childTnLst>
-                                    <p:set>
-                                      <p:cBhvr>
-                                        <p:cTn id="17" dur="1" fill="hold">
-                                          <p:stCondLst>
-                                            <p:cond delay="0"/>
-                                          </p:stCondLst>
-                                        </p:cTn>
-                                        <p:tgtEl>
-                                          <p:spTgt spid="15"/>
-                                        </p:tgtEl>
-                                        <p:attrNameLst>
-                                          <p:attrName>style.visibility</p:attrName>
-                                        </p:attrNameLst>
-                                      </p:cBhvr>
-                                      <p:to>
-                                        <p:strVal val="visible"/>
-                                      </p:to>
-                                    </p:set>
-                                    <p:animEffect transition="in" filter="fade">
-                                      <p:cBhvr>
-                                        <p:cTn id="18" dur="1000"/>
-                                        <p:tgtEl>
-                                          <p:spTgt spid="15"/>
-                                        </p:tgtEl>
-                                      </p:cBhvr>
-                                    </p:animEffect>
-                                    <p:anim calcmode="lin" valueType="num">
-                                      <p:cBhvr>
-                                        <p:cTn id="19" dur="1000" fill="hold"/>
-                                        <p:tgtEl>
-                                          <p:spTgt spid="15"/>
-                                        </p:tgtEl>
-                                        <p:attrNameLst>
-                                          <p:attrName>ppt_x</p:attrName>
-                                        </p:attrNameLst>
-                                      </p:cBhvr>
-                                      <p:tavLst>
-                                        <p:tav tm="0">
-                                          <p:val>
-                                            <p:strVal val="#ppt_x"/>
-                                          </p:val>
-                                        </p:tav>
-                                        <p:tav tm="100000">
-                                          <p:val>
-                                            <p:strVal val="#ppt_x"/>
-                                          </p:val>
-                                        </p:tav>
-                                      </p:tavLst>
-                                    </p:anim>
-                                    <p:anim calcmode="lin" valueType="num">
-                                      <p:cBhvr>
-                                        <p:cTn id="20" dur="1000" fill="hold"/>
-                                        <p:tgtEl>
-                                          <p:spTgt spid="15"/>
-                                        </p:tgtEl>
-                                        <p:attrNameLst>
-                                          <p:attrName>ppt_y</p:attrName>
-                                        </p:attrNameLst>
-                                      </p:cBhvr>
-                                      <p:tavLst>
-                                        <p:tav tm="0">
-                                          <p:val>
-                                            <p:strVal val="#ppt_y+.1"/>
-                                          </p:val>
-                                        </p:tav>
-                                        <p:tav tm="100000">
-                                          <p:val>
-                                            <p:strVal val="#ppt_y"/>
-                                          </p:val>
-                                        </p:tav>
-                                      </p:tavLst>
-                                    </p:anim>
-                                  </p:childTnLst>
-                                </p:cTn>
-                              </p:par>
-                              <p:par>
-                                <p:cTn id="21" presetID="42" presetClass="entr" presetSubtype="0" fill="hold" nodeType="withEffect">
-                                  <p:stCondLst>
-                                    <p:cond delay="0"/>
-                                  </p:stCondLst>
-                                  <p:childTnLst>
-                                    <p:set>
-                                      <p:cBhvr>
-                                        <p:cTn id="22" dur="1" fill="hold">
-                                          <p:stCondLst>
-                                            <p:cond delay="0"/>
-                                          </p:stCondLst>
-                                        </p:cTn>
-                                        <p:tgtEl>
-                                          <p:spTgt spid="14"/>
-                                        </p:tgtEl>
-                                        <p:attrNameLst>
-                                          <p:attrName>style.visibility</p:attrName>
-                                        </p:attrNameLst>
-                                      </p:cBhvr>
-                                      <p:to>
-                                        <p:strVal val="visible"/>
-                                      </p:to>
-                                    </p:set>
-                                    <p:animEffect transition="in" filter="fade">
-                                      <p:cBhvr>
-                                        <p:cTn id="23" dur="1000"/>
-                                        <p:tgtEl>
-                                          <p:spTgt spid="14"/>
-                                        </p:tgtEl>
-                                      </p:cBhvr>
-                                    </p:animEffect>
-                                    <p:anim calcmode="lin" valueType="num">
-                                      <p:cBhvr>
-                                        <p:cTn id="24" dur="1000" fill="hold"/>
-                                        <p:tgtEl>
-                                          <p:spTgt spid="14"/>
-                                        </p:tgtEl>
-                                        <p:attrNameLst>
-                                          <p:attrName>ppt_x</p:attrName>
-                                        </p:attrNameLst>
-                                      </p:cBhvr>
-                                      <p:tavLst>
-                                        <p:tav tm="0">
-                                          <p:val>
-                                            <p:strVal val="#ppt_x"/>
-                                          </p:val>
-                                        </p:tav>
-                                        <p:tav tm="100000">
-                                          <p:val>
-                                            <p:strVal val="#ppt_x"/>
-                                          </p:val>
-                                        </p:tav>
-                                      </p:tavLst>
-                                    </p:anim>
-                                    <p:anim calcmode="lin" valueType="num">
-                                      <p:cBhvr>
-                                        <p:cTn id="25" dur="1000" fill="hold"/>
-                                        <p:tgtEl>
-                                          <p:spTgt spid="14"/>
-                                        </p:tgtEl>
-                                        <p:attrNameLst>
-                                          <p:attrName>ppt_y</p:attrName>
-                                        </p:attrNameLst>
-                                      </p:cBhvr>
-                                      <p:tavLst>
-                                        <p:tav tm="0">
-                                          <p:val>
-                                            <p:strVal val="#ppt_y+.1"/>
-                                          </p:val>
-                                        </p:tav>
-                                        <p:tav tm="100000">
-                                          <p:val>
-                                            <p:strVal val="#ppt_y"/>
-                                          </p:val>
-                                        </p:tav>
-                                      </p:tavLst>
-                                    </p:anim>
-                                  </p:childTnLst>
-                                </p:cTn>
-                              </p:par>
-                            </p:childTnLst>
-                          </p:cTn>
-                        </p:par>
-                      </p:childTnLst>
-                    </p:cTn>
-                  </p:par>
                 </p:childTnLst>
               </p:cTn>
               <p:prevCondLst>
@@ -35964,7 +35364,7 @@
                     <a:srgbClr val="586069"/>
                   </a:solidFill>
                 </a:rPr>
-                <a:t>새로 업로드 된 영상에 대한 필터링 불가능</a:t>
+                <a:t>새로 업로드 된 영상에 대한 즉각 필터링 불가능</a:t>
               </a:r>
               <a:endParaRPr lang="en-US" altLang="ko-KR" sz="200" b="1" spc="-100" dirty="0">
                 <a:solidFill>
@@ -36090,7 +35490,7 @@
                   <a:spcPct val="150000"/>
                 </a:lnSpc>
               </a:pPr>
-              <a:endParaRPr lang="en-US" altLang="ko-KR" sz="1400" b="1" spc="-100">
+              <a:endParaRPr lang="en-US" altLang="ko-KR" sz="1400" b="1" spc="-100" dirty="0">
                 <a:solidFill>
                   <a:srgbClr val="586069"/>
                 </a:solidFill>
@@ -36103,20 +35503,12 @@
                 </a:lnSpc>
               </a:pPr>
               <a:r>
-                <a:rPr lang="ko-KR" altLang="en-US" sz="1400" b="1" spc="-100">
-                  <a:solidFill>
-                    <a:srgbClr val="586069"/>
-                  </a:solidFill>
-                </a:rPr>
-                <a:t>수동 </a:t>
-              </a:r>
-              <a:r>
                 <a:rPr lang="ko-KR" altLang="en-US" sz="1400" b="1" spc="-100" dirty="0">
                   <a:solidFill>
                     <a:srgbClr val="586069"/>
                   </a:solidFill>
                 </a:rPr>
-                <a:t>검열의 한계 </a:t>
+                <a:t>수동 검열의 한계 </a:t>
               </a:r>
               <a:endParaRPr lang="en-US" altLang="ko-KR" sz="1400" b="1" spc="-100" dirty="0">
                 <a:solidFill>
@@ -37334,7 +36726,7 @@
                   <a:spcPct val="150000"/>
                 </a:lnSpc>
               </a:pPr>
-              <a:endParaRPr lang="en-US" altLang="ko-KR" sz="1400" b="1" spc="-100">
+              <a:endParaRPr lang="en-US" altLang="ko-KR" sz="1400" b="1" spc="-100" dirty="0">
                 <a:solidFill>
                   <a:srgbClr val="586069"/>
                 </a:solidFill>
@@ -37347,20 +36739,12 @@
                 </a:lnSpc>
               </a:pPr>
               <a:r>
-                <a:rPr lang="ko-KR" altLang="en-US" sz="1400" b="1" spc="-100">
-                  <a:solidFill>
-                    <a:srgbClr val="586069"/>
-                  </a:solidFill>
-                </a:rPr>
-                <a:t>영상 </a:t>
-              </a:r>
-              <a:r>
                 <a:rPr lang="ko-KR" altLang="en-US" sz="1400" b="1" spc="-100" dirty="0">
                   <a:solidFill>
                     <a:srgbClr val="586069"/>
                   </a:solidFill>
                 </a:rPr>
-                <a:t>내 흡연 또는 음주 장면이 </a:t>
+                <a:t>영상 내 흡연 등의 유해한 장면이 </a:t>
               </a:r>
               <a:r>
                 <a:rPr lang="ko-KR" altLang="en-US" sz="1400" b="1" spc="-100" dirty="0" err="1">
@@ -37460,17 +36844,9 @@
                     <a:srgbClr val="586069"/>
                   </a:solidFill>
                 </a:rPr>
-                <a:t>음성 내 청소년에게 유해한 영향을 주는 </a:t>
+                <a:t>음성 내 청소년에게 부적절한 언어를 </a:t>
               </a:r>
-              <a:r>
-                <a:rPr lang="ko-KR" altLang="en-US" sz="1400" b="1" spc="-100">
-                  <a:solidFill>
-                    <a:srgbClr val="586069"/>
-                  </a:solidFill>
-                </a:rPr>
-                <a:t>내용을 </a:t>
-              </a:r>
-              <a:endParaRPr lang="en-US" altLang="ko-KR" sz="1400" b="1" spc="-100">
+              <a:endParaRPr lang="en-US" altLang="ko-KR" sz="1400" b="1" spc="-100" dirty="0">
                 <a:solidFill>
                   <a:srgbClr val="586069"/>
                 </a:solidFill>
@@ -37483,20 +36859,12 @@
                 </a:lnSpc>
               </a:pPr>
               <a:r>
-                <a:rPr lang="ko-KR" altLang="en-US" sz="1400" b="1" spc="-100">
-                  <a:solidFill>
-                    <a:srgbClr val="586069"/>
-                  </a:solidFill>
-                </a:rPr>
-                <a:t>포함하는지 </a:t>
-              </a:r>
-              <a:r>
                 <a:rPr lang="ko-KR" altLang="en-US" sz="1400" b="1" spc="-100" dirty="0">
                   <a:solidFill>
                     <a:srgbClr val="586069"/>
                   </a:solidFill>
                 </a:rPr>
-                <a:t>확인</a:t>
+                <a:t>포함하는지 확인</a:t>
               </a:r>
               <a:endParaRPr lang="en-US" altLang="ko-KR" sz="200" b="1" spc="-100" dirty="0">
                 <a:solidFill>

--- a/doc/2020-4조_발표PPT.pptx
+++ b/doc/2020-4조_발표PPT.pptx
@@ -5,7 +5,7 @@
     <p:sldMasterId id="2147483648" r:id="rId1"/>
   </p:sldMasterIdLst>
   <p:notesMasterIdLst>
-    <p:notesMasterId r:id="rId26"/>
+    <p:notesMasterId r:id="rId27"/>
   </p:notesMasterIdLst>
   <p:sldIdLst>
     <p:sldId id="325" r:id="rId2"/>
@@ -32,6 +32,7 @@
     <p:sldId id="318" r:id="rId23"/>
     <p:sldId id="322" r:id="rId24"/>
     <p:sldId id="305" r:id="rId25"/>
+    <p:sldId id="332" r:id="rId26"/>
   </p:sldIdLst>
   <p:sldSz cx="12192000" cy="6858000"/>
   <p:notesSz cx="6858000" cy="9144000"/>
@@ -1210,7 +1211,7 @@
           <a:p>
             <a:fld id="{FD58835D-FE34-4E5C-BEC5-573E9B569D6A}" type="datetimeFigureOut">
               <a:rPr lang="ko-KR" altLang="en-US" smtClean="0"/>
-              <a:t>2020-03-14</a:t>
+              <a:t>2020-03-15</a:t>
             </a:fld>
             <a:endParaRPr lang="ko-KR" altLang="en-US"/>
           </a:p>
@@ -2047,6 +2048,90 @@
 </p:notes>
 </file>
 
+<file path=ppt/notesSlides/notesSlide15.xml><?xml version="1.0" encoding="utf-8"?>
+<p:notes xmlns:a="http://schemas.openxmlformats.org/drawingml/2006/main" xmlns:r="http://schemas.openxmlformats.org/officeDocument/2006/relationships" xmlns:p="http://schemas.openxmlformats.org/presentationml/2006/main">
+  <p:cSld>
+    <p:spTree>
+      <p:nvGrpSpPr>
+        <p:cNvPr id="1" name=""/>
+        <p:cNvGrpSpPr/>
+        <p:nvPr/>
+      </p:nvGrpSpPr>
+      <p:grpSpPr>
+        <a:xfrm>
+          <a:off x="0" y="0"/>
+          <a:ext cx="0" cy="0"/>
+          <a:chOff x="0" y="0"/>
+          <a:chExt cx="0" cy="0"/>
+        </a:xfrm>
+      </p:grpSpPr>
+      <p:sp>
+        <p:nvSpPr>
+          <p:cNvPr id="2" name="슬라이드 이미지 개체 틀 1"/>
+          <p:cNvSpPr>
+            <a:spLocks noGrp="1" noRot="1" noChangeAspect="1"/>
+          </p:cNvSpPr>
+          <p:nvPr>
+            <p:ph type="sldImg"/>
+          </p:nvPr>
+        </p:nvSpPr>
+        <p:spPr/>
+      </p:sp>
+      <p:sp>
+        <p:nvSpPr>
+          <p:cNvPr id="3" name="슬라이드 노트 개체 틀 2"/>
+          <p:cNvSpPr>
+            <a:spLocks noGrp="1"/>
+          </p:cNvSpPr>
+          <p:nvPr>
+            <p:ph type="body" idx="1"/>
+          </p:nvPr>
+        </p:nvSpPr>
+        <p:spPr/>
+        <p:txBody>
+          <a:bodyPr/>
+          <a:lstStyle/>
+          <a:p>
+            <a:endParaRPr lang="ko-KR" altLang="en-US" dirty="0"/>
+          </a:p>
+        </p:txBody>
+      </p:sp>
+      <p:sp>
+        <p:nvSpPr>
+          <p:cNvPr id="4" name="슬라이드 번호 개체 틀 3"/>
+          <p:cNvSpPr>
+            <a:spLocks noGrp="1"/>
+          </p:cNvSpPr>
+          <p:nvPr>
+            <p:ph type="sldNum" sz="quarter" idx="5"/>
+          </p:nvPr>
+        </p:nvSpPr>
+        <p:spPr/>
+        <p:txBody>
+          <a:bodyPr/>
+          <a:lstStyle/>
+          <a:p>
+            <a:fld id="{B5C42D1F-4A54-4AC4-B80A-9C3638C2EF60}" type="slidenum">
+              <a:rPr lang="ko-KR" altLang="en-US" smtClean="0"/>
+              <a:t>25</a:t>
+            </a:fld>
+            <a:endParaRPr lang="ko-KR" altLang="en-US"/>
+          </a:p>
+        </p:txBody>
+      </p:sp>
+    </p:spTree>
+    <p:extLst>
+      <p:ext uri="{BB962C8B-B14F-4D97-AF65-F5344CB8AC3E}">
+        <p14:creationId xmlns:p14="http://schemas.microsoft.com/office/powerpoint/2010/main" val="3781296599"/>
+      </p:ext>
+    </p:extLst>
+  </p:cSld>
+  <p:clrMapOvr>
+    <a:masterClrMapping/>
+  </p:clrMapOvr>
+</p:notes>
+</file>
+
 <file path=ppt/notesSlides/notesSlide2.xml><?xml version="1.0" encoding="utf-8"?>
 <p:notes xmlns:a="http://schemas.openxmlformats.org/drawingml/2006/main" xmlns:r="http://schemas.openxmlformats.org/officeDocument/2006/relationships" xmlns:p="http://schemas.openxmlformats.org/presentationml/2006/main">
   <p:cSld>
@@ -2894,7 +2979,7 @@
           <a:p>
             <a:fld id="{2AFE6DCD-4700-455A-AD6D-3C42515F5C57}" type="datetimeFigureOut">
               <a:rPr lang="ko-KR" altLang="en-US" smtClean="0"/>
-              <a:t>2020-03-14</a:t>
+              <a:t>2020-03-15</a:t>
             </a:fld>
             <a:endParaRPr lang="ko-KR" altLang="en-US"/>
           </a:p>
@@ -3062,7 +3147,7 @@
           <a:p>
             <a:fld id="{2AFE6DCD-4700-455A-AD6D-3C42515F5C57}" type="datetimeFigureOut">
               <a:rPr lang="ko-KR" altLang="en-US" smtClean="0"/>
-              <a:t>2020-03-14</a:t>
+              <a:t>2020-03-15</a:t>
             </a:fld>
             <a:endParaRPr lang="ko-KR" altLang="en-US"/>
           </a:p>
@@ -3240,7 +3325,7 @@
           <a:p>
             <a:fld id="{2AFE6DCD-4700-455A-AD6D-3C42515F5C57}" type="datetimeFigureOut">
               <a:rPr lang="ko-KR" altLang="en-US" smtClean="0"/>
-              <a:t>2020-03-14</a:t>
+              <a:t>2020-03-15</a:t>
             </a:fld>
             <a:endParaRPr lang="ko-KR" altLang="en-US"/>
           </a:p>
@@ -3408,7 +3493,7 @@
           <a:p>
             <a:fld id="{2AFE6DCD-4700-455A-AD6D-3C42515F5C57}" type="datetimeFigureOut">
               <a:rPr lang="ko-KR" altLang="en-US" smtClean="0"/>
-              <a:t>2020-03-14</a:t>
+              <a:t>2020-03-15</a:t>
             </a:fld>
             <a:endParaRPr lang="ko-KR" altLang="en-US"/>
           </a:p>
@@ -3653,7 +3738,7 @@
           <a:p>
             <a:fld id="{2AFE6DCD-4700-455A-AD6D-3C42515F5C57}" type="datetimeFigureOut">
               <a:rPr lang="ko-KR" altLang="en-US" smtClean="0"/>
-              <a:t>2020-03-14</a:t>
+              <a:t>2020-03-15</a:t>
             </a:fld>
             <a:endParaRPr lang="ko-KR" altLang="en-US"/>
           </a:p>
@@ -3882,7 +3967,7 @@
           <a:p>
             <a:fld id="{2AFE6DCD-4700-455A-AD6D-3C42515F5C57}" type="datetimeFigureOut">
               <a:rPr lang="ko-KR" altLang="en-US" smtClean="0"/>
-              <a:t>2020-03-14</a:t>
+              <a:t>2020-03-15</a:t>
             </a:fld>
             <a:endParaRPr lang="ko-KR" altLang="en-US"/>
           </a:p>
@@ -4246,7 +4331,7 @@
           <a:p>
             <a:fld id="{2AFE6DCD-4700-455A-AD6D-3C42515F5C57}" type="datetimeFigureOut">
               <a:rPr lang="ko-KR" altLang="en-US" smtClean="0"/>
-              <a:t>2020-03-14</a:t>
+              <a:t>2020-03-15</a:t>
             </a:fld>
             <a:endParaRPr lang="ko-KR" altLang="en-US"/>
           </a:p>
@@ -4363,7 +4448,7 @@
           <a:p>
             <a:fld id="{2AFE6DCD-4700-455A-AD6D-3C42515F5C57}" type="datetimeFigureOut">
               <a:rPr lang="ko-KR" altLang="en-US" smtClean="0"/>
-              <a:t>2020-03-14</a:t>
+              <a:t>2020-03-15</a:t>
             </a:fld>
             <a:endParaRPr lang="ko-KR" altLang="en-US"/>
           </a:p>
@@ -4458,7 +4543,7 @@
           <a:p>
             <a:fld id="{2AFE6DCD-4700-455A-AD6D-3C42515F5C57}" type="datetimeFigureOut">
               <a:rPr lang="ko-KR" altLang="en-US" smtClean="0"/>
-              <a:t>2020-03-14</a:t>
+              <a:t>2020-03-15</a:t>
             </a:fld>
             <a:endParaRPr lang="ko-KR" altLang="en-US"/>
           </a:p>
@@ -4733,7 +4818,7 @@
           <a:p>
             <a:fld id="{2AFE6DCD-4700-455A-AD6D-3C42515F5C57}" type="datetimeFigureOut">
               <a:rPr lang="ko-KR" altLang="en-US" smtClean="0"/>
-              <a:t>2020-03-14</a:t>
+              <a:t>2020-03-15</a:t>
             </a:fld>
             <a:endParaRPr lang="ko-KR" altLang="en-US"/>
           </a:p>
@@ -4985,7 +5070,7 @@
           <a:p>
             <a:fld id="{2AFE6DCD-4700-455A-AD6D-3C42515F5C57}" type="datetimeFigureOut">
               <a:rPr lang="ko-KR" altLang="en-US" smtClean="0"/>
-              <a:t>2020-03-14</a:t>
+              <a:t>2020-03-15</a:t>
             </a:fld>
             <a:endParaRPr lang="ko-KR" altLang="en-US"/>
           </a:p>
@@ -5196,7 +5281,7 @@
           <a:p>
             <a:fld id="{2AFE6DCD-4700-455A-AD6D-3C42515F5C57}" type="datetimeFigureOut">
               <a:rPr lang="ko-KR" altLang="en-US" smtClean="0"/>
-              <a:t>2020-03-14</a:t>
+              <a:t>2020-03-15</a:t>
             </a:fld>
             <a:endParaRPr lang="ko-KR" altLang="en-US"/>
           </a:p>
@@ -31835,6 +31920,2679 @@
     <p:extLst>
       <p:ext uri="{BB962C8B-B14F-4D97-AF65-F5344CB8AC3E}">
         <p14:creationId xmlns:p14="http://schemas.microsoft.com/office/powerpoint/2010/main" val="3623806095"/>
+      </p:ext>
+    </p:extLst>
+  </p:cSld>
+  <p:clrMapOvr>
+    <a:masterClrMapping/>
+  </p:clrMapOvr>
+</p:sld>
+</file>
+
+<file path=ppt/slides/slide25.xml><?xml version="1.0" encoding="utf-8"?>
+<p:sld xmlns:a="http://schemas.openxmlformats.org/drawingml/2006/main" xmlns:r="http://schemas.openxmlformats.org/officeDocument/2006/relationships" xmlns:p="http://schemas.openxmlformats.org/presentationml/2006/main">
+  <p:cSld>
+    <p:bg>
+      <p:bgPr>
+        <a:solidFill>
+          <a:srgbClr val="FAFBFC"/>
+        </a:solidFill>
+        <a:effectLst/>
+      </p:bgPr>
+    </p:bg>
+    <p:spTree>
+      <p:nvGrpSpPr>
+        <p:cNvPr id="1" name=""/>
+        <p:cNvGrpSpPr/>
+        <p:nvPr/>
+      </p:nvGrpSpPr>
+      <p:grpSpPr>
+        <a:xfrm>
+          <a:off x="0" y="0"/>
+          <a:ext cx="0" cy="0"/>
+          <a:chOff x="0" y="0"/>
+          <a:chExt cx="0" cy="0"/>
+        </a:xfrm>
+      </p:grpSpPr>
+      <p:grpSp>
+        <p:nvGrpSpPr>
+          <p:cNvPr id="29" name="그룹 28">
+            <a:extLst>
+              <a:ext uri="{FF2B5EF4-FFF2-40B4-BE49-F238E27FC236}">
+                <a16:creationId xmlns:a16="http://schemas.microsoft.com/office/drawing/2014/main" id="{E2AD5CC3-6328-4E3D-B049-06BBE8B3C083}"/>
+              </a:ext>
+            </a:extLst>
+          </p:cNvPr>
+          <p:cNvGrpSpPr/>
+          <p:nvPr/>
+        </p:nvGrpSpPr>
+        <p:grpSpPr>
+          <a:xfrm>
+            <a:off x="0" y="2420"/>
+            <a:ext cx="12192000" cy="854250"/>
+            <a:chOff x="-57412" y="606"/>
+            <a:chExt cx="12192000" cy="854250"/>
+          </a:xfrm>
+        </p:grpSpPr>
+        <p:sp>
+          <p:nvSpPr>
+            <p:cNvPr id="31" name="직사각형 30">
+              <a:extLst>
+                <a:ext uri="{FF2B5EF4-FFF2-40B4-BE49-F238E27FC236}">
+                  <a16:creationId xmlns:a16="http://schemas.microsoft.com/office/drawing/2014/main" id="{5E511976-6EB2-45B4-AEF2-B8CC1BFA1F0A}"/>
+                </a:ext>
+              </a:extLst>
+            </p:cNvPr>
+            <p:cNvSpPr/>
+            <p:nvPr/>
+          </p:nvSpPr>
+          <p:spPr>
+            <a:xfrm>
+              <a:off x="-57412" y="606"/>
+              <a:ext cx="12192000" cy="854250"/>
+            </a:xfrm>
+            <a:prstGeom prst="rect">
+              <a:avLst/>
+            </a:prstGeom>
+            <a:solidFill>
+              <a:srgbClr val="24292E"/>
+            </a:solidFill>
+            <a:ln>
+              <a:noFill/>
+            </a:ln>
+          </p:spPr>
+          <p:style>
+            <a:lnRef idx="2">
+              <a:schemeClr val="accent1">
+                <a:shade val="50000"/>
+              </a:schemeClr>
+            </a:lnRef>
+            <a:fillRef idx="1">
+              <a:schemeClr val="accent1"/>
+            </a:fillRef>
+            <a:effectRef idx="0">
+              <a:schemeClr val="accent1"/>
+            </a:effectRef>
+            <a:fontRef idx="minor">
+              <a:schemeClr val="lt1"/>
+            </a:fontRef>
+          </p:style>
+          <p:txBody>
+            <a:bodyPr rtlCol="0" anchor="ctr"/>
+            <a:lstStyle/>
+            <a:p>
+              <a:pPr algn="ctr"/>
+              <a:endParaRPr lang="ko-KR" altLang="en-US"/>
+            </a:p>
+          </p:txBody>
+        </p:sp>
+        <p:sp>
+          <p:nvSpPr>
+            <p:cNvPr id="32" name="직사각형 31">
+              <a:extLst>
+                <a:ext uri="{FF2B5EF4-FFF2-40B4-BE49-F238E27FC236}">
+                  <a16:creationId xmlns:a16="http://schemas.microsoft.com/office/drawing/2014/main" id="{61D9BAE9-2B02-4204-827A-CCDEDFB579A0}"/>
+                </a:ext>
+              </a:extLst>
+            </p:cNvPr>
+            <p:cNvSpPr/>
+            <p:nvPr/>
+          </p:nvSpPr>
+          <p:spPr>
+            <a:xfrm>
+              <a:off x="953001" y="166253"/>
+              <a:ext cx="6098983" cy="414024"/>
+            </a:xfrm>
+            <a:prstGeom prst="rect">
+              <a:avLst/>
+            </a:prstGeom>
+          </p:spPr>
+          <p:txBody>
+            <a:bodyPr wrap="square">
+              <a:spAutoFit/>
+            </a:bodyPr>
+            <a:lstStyle/>
+            <a:p>
+              <a:pPr>
+                <a:lnSpc>
+                  <a:spcPct val="150000"/>
+                </a:lnSpc>
+              </a:pPr>
+              <a:r>
+                <a:rPr lang="ko-KR" altLang="en-US" sz="1600" b="1">
+                  <a:solidFill>
+                    <a:schemeClr val="bg1"/>
+                  </a:solidFill>
+                </a:rPr>
+                <a:t> 개발 일정</a:t>
+              </a:r>
+              <a:endParaRPr lang="en-US" altLang="ko-KR" sz="1600" b="1">
+                <a:solidFill>
+                  <a:schemeClr val="bg1"/>
+                </a:solidFill>
+              </a:endParaRPr>
+            </a:p>
+          </p:txBody>
+        </p:sp>
+        <p:pic>
+          <p:nvPicPr>
+            <p:cNvPr id="33" name="그림 32">
+              <a:extLst>
+                <a:ext uri="{FF2B5EF4-FFF2-40B4-BE49-F238E27FC236}">
+                  <a16:creationId xmlns:a16="http://schemas.microsoft.com/office/drawing/2014/main" id="{F187E9EE-CAA9-44EA-83D8-E5A12EE2DEB4}"/>
+                </a:ext>
+              </a:extLst>
+            </p:cNvPr>
+            <p:cNvPicPr>
+              <a:picLocks noChangeAspect="1"/>
+            </p:cNvPicPr>
+            <p:nvPr/>
+          </p:nvPicPr>
+          <p:blipFill>
+            <a:blip r:embed="rId3">
+              <a:extLst>
+                <a:ext uri="{BEBA8EAE-BF5A-486C-A8C5-ECC9F3942E4B}">
+                  <a14:imgProps xmlns:a14="http://schemas.microsoft.com/office/drawing/2010/main">
+                    <a14:imgLayer r:embed="rId4">
+                      <a14:imgEffect>
+                        <a14:backgroundRemoval t="4688" b="96875" l="1521" r="98479"/>
+                      </a14:imgEffect>
+                    </a14:imgLayer>
+                  </a14:imgProps>
+                </a:ext>
+              </a:extLst>
+            </a:blip>
+            <a:stretch>
+              <a:fillRect/>
+            </a:stretch>
+          </p:blipFill>
+          <p:spPr>
+            <a:xfrm>
+              <a:off x="165201" y="166253"/>
+              <a:ext cx="730389" cy="533212"/>
+            </a:xfrm>
+            <a:prstGeom prst="rect">
+              <a:avLst/>
+            </a:prstGeom>
+          </p:spPr>
+        </p:pic>
+      </p:grpSp>
+      <p:graphicFrame>
+        <p:nvGraphicFramePr>
+          <p:cNvPr id="3" name="표 3">
+            <a:extLst>
+              <a:ext uri="{FF2B5EF4-FFF2-40B4-BE49-F238E27FC236}">
+                <a16:creationId xmlns:a16="http://schemas.microsoft.com/office/drawing/2014/main" id="{D9A36122-1FFE-4E95-BF7C-C8D2E711360D}"/>
+              </a:ext>
+            </a:extLst>
+          </p:cNvPr>
+          <p:cNvGraphicFramePr>
+            <a:graphicFrameLocks noGrp="1"/>
+          </p:cNvGraphicFramePr>
+          <p:nvPr>
+            <p:extLst>
+              <p:ext uri="{D42A27DB-BD31-4B8C-83A1-F6EECF244321}">
+                <p14:modId xmlns:p14="http://schemas.microsoft.com/office/powerpoint/2010/main" val="1629869945"/>
+              </p:ext>
+            </p:extLst>
+          </p:nvPr>
+        </p:nvGraphicFramePr>
+        <p:xfrm>
+          <a:off x="222613" y="866926"/>
+          <a:ext cx="11547634" cy="5898137"/>
+        </p:xfrm>
+        <a:graphic>
+          <a:graphicData uri="http://schemas.openxmlformats.org/drawingml/2006/table">
+            <a:tbl>
+              <a:tblPr firstRow="1" bandRow="1">
+                <a:tableStyleId>{F2DE63D5-997A-4646-A377-4702673A728D}</a:tableStyleId>
+              </a:tblPr>
+              <a:tblGrid>
+                <a:gridCol w="4611322">
+                  <a:extLst>
+                    <a:ext uri="{9D8B030D-6E8A-4147-A177-3AD203B41FA5}">
+                      <a16:colId xmlns:a16="http://schemas.microsoft.com/office/drawing/2014/main" val="2414862717"/>
+                    </a:ext>
+                  </a:extLst>
+                </a:gridCol>
+                <a:gridCol w="1156052">
+                  <a:extLst>
+                    <a:ext uri="{9D8B030D-6E8A-4147-A177-3AD203B41FA5}">
+                      <a16:colId xmlns:a16="http://schemas.microsoft.com/office/drawing/2014/main" val="2204484318"/>
+                    </a:ext>
+                  </a:extLst>
+                </a:gridCol>
+                <a:gridCol w="1156052">
+                  <a:extLst>
+                    <a:ext uri="{9D8B030D-6E8A-4147-A177-3AD203B41FA5}">
+                      <a16:colId xmlns:a16="http://schemas.microsoft.com/office/drawing/2014/main" val="3025807021"/>
+                    </a:ext>
+                  </a:extLst>
+                </a:gridCol>
+                <a:gridCol w="1156052">
+                  <a:extLst>
+                    <a:ext uri="{9D8B030D-6E8A-4147-A177-3AD203B41FA5}">
+                      <a16:colId xmlns:a16="http://schemas.microsoft.com/office/drawing/2014/main" val="1578882700"/>
+                    </a:ext>
+                  </a:extLst>
+                </a:gridCol>
+                <a:gridCol w="1156052">
+                  <a:extLst>
+                    <a:ext uri="{9D8B030D-6E8A-4147-A177-3AD203B41FA5}">
+                      <a16:colId xmlns:a16="http://schemas.microsoft.com/office/drawing/2014/main" val="3755707293"/>
+                    </a:ext>
+                  </a:extLst>
+                </a:gridCol>
+                <a:gridCol w="1156052">
+                  <a:extLst>
+                    <a:ext uri="{9D8B030D-6E8A-4147-A177-3AD203B41FA5}">
+                      <a16:colId xmlns:a16="http://schemas.microsoft.com/office/drawing/2014/main" val="3014339795"/>
+                    </a:ext>
+                  </a:extLst>
+                </a:gridCol>
+                <a:gridCol w="1156052">
+                  <a:extLst>
+                    <a:ext uri="{9D8B030D-6E8A-4147-A177-3AD203B41FA5}">
+                      <a16:colId xmlns:a16="http://schemas.microsoft.com/office/drawing/2014/main" val="3995856774"/>
+                    </a:ext>
+                  </a:extLst>
+                </a:gridCol>
+              </a:tblGrid>
+              <a:tr h="498137">
+                <a:tc>
+                  <a:txBody>
+                    <a:bodyPr/>
+                    <a:lstStyle/>
+                    <a:p>
+                      <a:pPr latinLnBrk="1"/>
+                      <a:endParaRPr lang="ko-KR" altLang="en-US" dirty="0"/>
+                    </a:p>
+                  </a:txBody>
+                  <a:tcPr>
+                    <a:lnL w="6350" cap="flat" cmpd="sng" algn="ctr">
+                      <a:noFill/>
+                      <a:prstDash val="solid"/>
+                      <a:miter lim="800000"/>
+                    </a:lnL>
+                    <a:lnR w="12700" cap="flat" cmpd="sng" algn="ctr">
+                      <a:noFill/>
+                      <a:prstDash val="solid"/>
+                      <a:round/>
+                      <a:headEnd type="none" w="med" len="med"/>
+                      <a:tailEnd type="none" w="med" len="med"/>
+                    </a:lnR>
+                    <a:lnT w="6350" cap="flat" cmpd="sng" algn="ctr">
+                      <a:noFill/>
+                      <a:prstDash val="solid"/>
+                      <a:miter lim="800000"/>
+                    </a:lnT>
+                    <a:lnB w="6350" cap="flat" cmpd="sng" algn="ctr">
+                      <a:noFill/>
+                      <a:prstDash val="solid"/>
+                      <a:miter lim="800000"/>
+                    </a:lnB>
+                    <a:lnTlToBr w="12700" cmpd="sng">
+                      <a:noFill/>
+                      <a:prstDash val="solid"/>
+                    </a:lnTlToBr>
+                    <a:lnBlToTr w="12700" cmpd="sng">
+                      <a:noFill/>
+                      <a:prstDash val="solid"/>
+                    </a:lnBlToTr>
+                  </a:tcPr>
+                </a:tc>
+                <a:tc>
+                  <a:txBody>
+                    <a:bodyPr/>
+                    <a:lstStyle/>
+                    <a:p>
+                      <a:pPr algn="ctr" latinLnBrk="1"/>
+                      <a:r>
+                        <a:rPr lang="en-US" altLang="ko-KR" dirty="0"/>
+                        <a:t>1</a:t>
+                      </a:r>
+                      <a:r>
+                        <a:rPr lang="ko-KR" altLang="en-US" dirty="0"/>
+                        <a:t>월</a:t>
+                      </a:r>
+                    </a:p>
+                  </a:txBody>
+                  <a:tcPr anchor="ctr">
+                    <a:lnL w="12700" cap="flat" cmpd="sng" algn="ctr">
+                      <a:noFill/>
+                      <a:prstDash val="solid"/>
+                      <a:round/>
+                      <a:headEnd type="none" w="med" len="med"/>
+                      <a:tailEnd type="none" w="med" len="med"/>
+                    </a:lnL>
+                    <a:lnR>
+                      <a:noFill/>
+                    </a:lnR>
+                    <a:lnT w="6350" cap="flat" cmpd="sng" algn="ctr">
+                      <a:noFill/>
+                      <a:prstDash val="solid"/>
+                      <a:miter lim="800000"/>
+                    </a:lnT>
+                    <a:lnB w="3175" cap="flat" cmpd="sng" algn="ctr">
+                      <a:solidFill>
+                        <a:schemeClr val="tx1"/>
+                      </a:solidFill>
+                      <a:prstDash val="solid"/>
+                      <a:round/>
+                      <a:headEnd type="none" w="med" len="med"/>
+                      <a:tailEnd type="none" w="med" len="med"/>
+                    </a:lnB>
+                    <a:lnTlToBr w="12700" cmpd="sng">
+                      <a:noFill/>
+                      <a:prstDash val="solid"/>
+                    </a:lnTlToBr>
+                    <a:lnBlToTr w="12700" cmpd="sng">
+                      <a:noFill/>
+                      <a:prstDash val="solid"/>
+                    </a:lnBlToTr>
+                  </a:tcPr>
+                </a:tc>
+                <a:tc>
+                  <a:txBody>
+                    <a:bodyPr/>
+                    <a:lstStyle/>
+                    <a:p>
+                      <a:pPr algn="ctr" latinLnBrk="1"/>
+                      <a:r>
+                        <a:rPr lang="en-US" altLang="ko-KR" dirty="0"/>
+                        <a:t>2</a:t>
+                      </a:r>
+                      <a:r>
+                        <a:rPr lang="ko-KR" altLang="en-US" dirty="0"/>
+                        <a:t>월</a:t>
+                      </a:r>
+                    </a:p>
+                  </a:txBody>
+                  <a:tcPr anchor="ctr">
+                    <a:lnL>
+                      <a:noFill/>
+                    </a:lnL>
+                  </a:tcPr>
+                </a:tc>
+                <a:tc>
+                  <a:txBody>
+                    <a:bodyPr/>
+                    <a:lstStyle/>
+                    <a:p>
+                      <a:pPr algn="ctr" latinLnBrk="1"/>
+                      <a:r>
+                        <a:rPr lang="en-US" altLang="ko-KR" dirty="0"/>
+                        <a:t>3</a:t>
+                      </a:r>
+                      <a:r>
+                        <a:rPr lang="ko-KR" altLang="en-US" dirty="0"/>
+                        <a:t>월</a:t>
+                      </a:r>
+                    </a:p>
+                  </a:txBody>
+                  <a:tcPr anchor="ctr"/>
+                </a:tc>
+                <a:tc>
+                  <a:txBody>
+                    <a:bodyPr/>
+                    <a:lstStyle/>
+                    <a:p>
+                      <a:pPr algn="ctr" latinLnBrk="1"/>
+                      <a:r>
+                        <a:rPr lang="en-US" altLang="ko-KR" dirty="0"/>
+                        <a:t>4</a:t>
+                      </a:r>
+                      <a:r>
+                        <a:rPr lang="ko-KR" altLang="en-US" dirty="0"/>
+                        <a:t>월</a:t>
+                      </a:r>
+                    </a:p>
+                  </a:txBody>
+                  <a:tcPr anchor="ctr"/>
+                </a:tc>
+                <a:tc>
+                  <a:txBody>
+                    <a:bodyPr/>
+                    <a:lstStyle/>
+                    <a:p>
+                      <a:pPr algn="ctr" latinLnBrk="1"/>
+                      <a:r>
+                        <a:rPr lang="en-US" altLang="ko-KR" dirty="0"/>
+                        <a:t>5</a:t>
+                      </a:r>
+                      <a:r>
+                        <a:rPr lang="ko-KR" altLang="en-US" dirty="0"/>
+                        <a:t>월</a:t>
+                      </a:r>
+                    </a:p>
+                  </a:txBody>
+                  <a:tcPr anchor="ctr"/>
+                </a:tc>
+                <a:tc>
+                  <a:txBody>
+                    <a:bodyPr/>
+                    <a:lstStyle/>
+                    <a:p>
+                      <a:pPr algn="ctr" latinLnBrk="1"/>
+                      <a:r>
+                        <a:rPr lang="en-US" altLang="ko-KR" dirty="0"/>
+                        <a:t>6</a:t>
+                      </a:r>
+                      <a:r>
+                        <a:rPr lang="ko-KR" altLang="en-US" dirty="0"/>
+                        <a:t>월</a:t>
+                      </a:r>
+                    </a:p>
+                  </a:txBody>
+                  <a:tcPr anchor="ctr"/>
+                </a:tc>
+                <a:extLst>
+                  <a:ext uri="{0D108BD9-81ED-4DB2-BD59-A6C34878D82A}">
+                    <a16:rowId xmlns:a16="http://schemas.microsoft.com/office/drawing/2014/main" val="538876905"/>
+                  </a:ext>
+                </a:extLst>
+              </a:tr>
+              <a:tr h="540000">
+                <a:tc>
+                  <a:txBody>
+                    <a:bodyPr/>
+                    <a:lstStyle/>
+                    <a:p>
+                      <a:pPr algn="just" latinLnBrk="1"/>
+                      <a:r>
+                        <a:rPr lang="ko-KR" altLang="en-US" sz="1400" b="1" dirty="0"/>
+                        <a:t>주제 회의 및 결정</a:t>
+                      </a:r>
+                    </a:p>
+                  </a:txBody>
+                  <a:tcPr anchor="ctr">
+                    <a:lnR w="3175" cap="flat" cmpd="sng" algn="ctr">
+                      <a:solidFill>
+                        <a:schemeClr val="tx1"/>
+                      </a:solidFill>
+                      <a:prstDash val="solid"/>
+                      <a:round/>
+                      <a:headEnd type="none" w="med" len="med"/>
+                      <a:tailEnd type="none" w="med" len="med"/>
+                    </a:lnR>
+                    <a:lnT w="6350" cap="flat" cmpd="sng" algn="ctr">
+                      <a:noFill/>
+                      <a:prstDash val="solid"/>
+                      <a:miter lim="800000"/>
+                    </a:lnT>
+                  </a:tcPr>
+                </a:tc>
+                <a:tc>
+                  <a:txBody>
+                    <a:bodyPr/>
+                    <a:lstStyle/>
+                    <a:p>
+                      <a:pPr latinLnBrk="1"/>
+                      <a:endParaRPr lang="ko-KR" altLang="en-US" dirty="0"/>
+                    </a:p>
+                  </a:txBody>
+                  <a:tcPr>
+                    <a:lnL w="3175" cap="flat" cmpd="sng" algn="ctr">
+                      <a:solidFill>
+                        <a:schemeClr val="tx1"/>
+                      </a:solidFill>
+                      <a:prstDash val="solid"/>
+                      <a:round/>
+                      <a:headEnd type="none" w="med" len="med"/>
+                      <a:tailEnd type="none" w="med" len="med"/>
+                    </a:lnL>
+                    <a:lnR w="3175" cap="flat" cmpd="sng" algn="ctr">
+                      <a:noFill/>
+                      <a:prstDash val="solid"/>
+                      <a:round/>
+                      <a:headEnd type="none" w="med" len="med"/>
+                      <a:tailEnd type="none" w="med" len="med"/>
+                    </a:lnR>
+                    <a:lnT w="3175" cap="flat" cmpd="sng" algn="ctr">
+                      <a:solidFill>
+                        <a:schemeClr val="tx1"/>
+                      </a:solidFill>
+                      <a:prstDash val="solid"/>
+                      <a:round/>
+                      <a:headEnd type="none" w="med" len="med"/>
+                      <a:tailEnd type="none" w="med" len="med"/>
+                    </a:lnT>
+                    <a:lnB w="6350" cap="flat" cmpd="sng" algn="ctr">
+                      <a:noFill/>
+                      <a:prstDash val="solid"/>
+                      <a:miter lim="800000"/>
+                    </a:lnB>
+                    <a:lnTlToBr w="12700" cmpd="sng">
+                      <a:noFill/>
+                      <a:prstDash val="solid"/>
+                    </a:lnTlToBr>
+                    <a:lnBlToTr w="12700" cmpd="sng">
+                      <a:noFill/>
+                      <a:prstDash val="solid"/>
+                    </a:lnBlToTr>
+                    <a:solidFill>
+                      <a:schemeClr val="accent6">
+                        <a:lumMod val="20000"/>
+                        <a:lumOff val="80000"/>
+                      </a:schemeClr>
+                    </a:solidFill>
+                  </a:tcPr>
+                </a:tc>
+                <a:tc>
+                  <a:txBody>
+                    <a:bodyPr/>
+                    <a:lstStyle/>
+                    <a:p>
+                      <a:pPr latinLnBrk="1"/>
+                      <a:endParaRPr lang="ko-KR" altLang="en-US" dirty="0"/>
+                    </a:p>
+                  </a:txBody>
+                  <a:tcPr>
+                    <a:lnL w="3175" cap="flat" cmpd="sng" algn="ctr">
+                      <a:noFill/>
+                      <a:prstDash val="solid"/>
+                      <a:round/>
+                      <a:headEnd type="none" w="med" len="med"/>
+                      <a:tailEnd type="none" w="med" len="med"/>
+                    </a:lnL>
+                  </a:tcPr>
+                </a:tc>
+                <a:tc>
+                  <a:txBody>
+                    <a:bodyPr/>
+                    <a:lstStyle/>
+                    <a:p>
+                      <a:pPr latinLnBrk="1"/>
+                      <a:endParaRPr lang="ko-KR" altLang="en-US" dirty="0"/>
+                    </a:p>
+                  </a:txBody>
+                  <a:tcPr/>
+                </a:tc>
+                <a:tc>
+                  <a:txBody>
+                    <a:bodyPr/>
+                    <a:lstStyle/>
+                    <a:p>
+                      <a:pPr latinLnBrk="1"/>
+                      <a:endParaRPr lang="ko-KR" altLang="en-US" dirty="0"/>
+                    </a:p>
+                  </a:txBody>
+                  <a:tcPr/>
+                </a:tc>
+                <a:tc>
+                  <a:txBody>
+                    <a:bodyPr/>
+                    <a:lstStyle/>
+                    <a:p>
+                      <a:pPr latinLnBrk="1"/>
+                      <a:endParaRPr lang="ko-KR" altLang="en-US" dirty="0"/>
+                    </a:p>
+                  </a:txBody>
+                  <a:tcPr/>
+                </a:tc>
+                <a:tc>
+                  <a:txBody>
+                    <a:bodyPr/>
+                    <a:lstStyle/>
+                    <a:p>
+                      <a:pPr latinLnBrk="1"/>
+                      <a:endParaRPr lang="ko-KR" altLang="en-US" dirty="0"/>
+                    </a:p>
+                  </a:txBody>
+                  <a:tcPr/>
+                </a:tc>
+                <a:extLst>
+                  <a:ext uri="{0D108BD9-81ED-4DB2-BD59-A6C34878D82A}">
+                    <a16:rowId xmlns:a16="http://schemas.microsoft.com/office/drawing/2014/main" val="2605817966"/>
+                  </a:ext>
+                </a:extLst>
+              </a:tr>
+              <a:tr h="540000">
+                <a:tc>
+                  <a:txBody>
+                    <a:bodyPr/>
+                    <a:lstStyle/>
+                    <a:p>
+                      <a:pPr algn="just" latinLnBrk="1"/>
+                      <a:r>
+                        <a:rPr lang="ko-KR" altLang="en-US" sz="1400" b="1" dirty="0"/>
+                        <a:t>주요 데이터셋 설정 </a:t>
+                      </a:r>
+                      <a:endParaRPr lang="en-US" altLang="ko-KR" sz="1400" b="1" dirty="0"/>
+                    </a:p>
+                  </a:txBody>
+                  <a:tcPr anchor="ctr">
+                    <a:lnR w="3175" cap="flat" cmpd="sng" algn="ctr">
+                      <a:solidFill>
+                        <a:schemeClr val="tx1"/>
+                      </a:solidFill>
+                      <a:prstDash val="solid"/>
+                      <a:round/>
+                      <a:headEnd type="none" w="med" len="med"/>
+                      <a:tailEnd type="none" w="med" len="med"/>
+                    </a:lnR>
+                  </a:tcPr>
+                </a:tc>
+                <a:tc>
+                  <a:txBody>
+                    <a:bodyPr/>
+                    <a:lstStyle/>
+                    <a:p>
+                      <a:pPr latinLnBrk="1"/>
+                      <a:endParaRPr lang="ko-KR" altLang="en-US" dirty="0"/>
+                    </a:p>
+                  </a:txBody>
+                  <a:tcPr>
+                    <a:lnL w="3175" cap="flat" cmpd="sng" algn="ctr">
+                      <a:solidFill>
+                        <a:schemeClr val="tx1"/>
+                      </a:solidFill>
+                      <a:prstDash val="solid"/>
+                      <a:round/>
+                      <a:headEnd type="none" w="med" len="med"/>
+                      <a:tailEnd type="none" w="med" len="med"/>
+                    </a:lnL>
+                    <a:lnR w="3175" cap="flat" cmpd="sng" algn="ctr">
+                      <a:noFill/>
+                      <a:prstDash val="solid"/>
+                      <a:round/>
+                      <a:headEnd type="none" w="med" len="med"/>
+                      <a:tailEnd type="none" w="med" len="med"/>
+                    </a:lnR>
+                    <a:lnT w="6350" cap="flat" cmpd="sng" algn="ctr">
+                      <a:noFill/>
+                      <a:prstDash val="solid"/>
+                      <a:miter lim="800000"/>
+                    </a:lnT>
+                    <a:lnB w="3175" cap="flat" cmpd="sng" algn="ctr">
+                      <a:solidFill>
+                        <a:schemeClr val="tx1"/>
+                      </a:solidFill>
+                      <a:prstDash val="solid"/>
+                      <a:round/>
+                      <a:headEnd type="none" w="med" len="med"/>
+                      <a:tailEnd type="none" w="med" len="med"/>
+                    </a:lnB>
+                    <a:lnTlToBr w="12700" cmpd="sng">
+                      <a:noFill/>
+                      <a:prstDash val="solid"/>
+                    </a:lnTlToBr>
+                    <a:lnBlToTr w="12700" cmpd="sng">
+                      <a:noFill/>
+                      <a:prstDash val="solid"/>
+                    </a:lnBlToTr>
+                    <a:solidFill>
+                      <a:schemeClr val="accent6">
+                        <a:lumMod val="20000"/>
+                        <a:lumOff val="80000"/>
+                      </a:schemeClr>
+                    </a:solidFill>
+                  </a:tcPr>
+                </a:tc>
+                <a:tc>
+                  <a:txBody>
+                    <a:bodyPr/>
+                    <a:lstStyle/>
+                    <a:p>
+                      <a:pPr latinLnBrk="1"/>
+                      <a:endParaRPr lang="ko-KR" altLang="en-US" dirty="0"/>
+                    </a:p>
+                  </a:txBody>
+                  <a:tcPr>
+                    <a:lnL w="3175" cap="flat" cmpd="sng" algn="ctr">
+                      <a:noFill/>
+                      <a:prstDash val="solid"/>
+                      <a:round/>
+                      <a:headEnd type="none" w="med" len="med"/>
+                      <a:tailEnd type="none" w="med" len="med"/>
+                    </a:lnL>
+                    <a:lnB w="3175" cap="flat" cmpd="sng" algn="ctr">
+                      <a:solidFill>
+                        <a:schemeClr val="tx1"/>
+                      </a:solidFill>
+                      <a:prstDash val="solid"/>
+                      <a:round/>
+                      <a:headEnd type="none" w="med" len="med"/>
+                      <a:tailEnd type="none" w="med" len="med"/>
+                    </a:lnB>
+                  </a:tcPr>
+                </a:tc>
+                <a:tc>
+                  <a:txBody>
+                    <a:bodyPr/>
+                    <a:lstStyle/>
+                    <a:p>
+                      <a:pPr latinLnBrk="1"/>
+                      <a:endParaRPr lang="ko-KR" altLang="en-US" dirty="0"/>
+                    </a:p>
+                  </a:txBody>
+                  <a:tcPr>
+                    <a:lnB w="3175" cap="flat" cmpd="sng" algn="ctr">
+                      <a:solidFill>
+                        <a:schemeClr val="tx1"/>
+                      </a:solidFill>
+                      <a:prstDash val="solid"/>
+                      <a:round/>
+                      <a:headEnd type="none" w="med" len="med"/>
+                      <a:tailEnd type="none" w="med" len="med"/>
+                    </a:lnB>
+                  </a:tcPr>
+                </a:tc>
+                <a:tc>
+                  <a:txBody>
+                    <a:bodyPr/>
+                    <a:lstStyle/>
+                    <a:p>
+                      <a:pPr latinLnBrk="1"/>
+                      <a:endParaRPr lang="ko-KR" altLang="en-US" dirty="0"/>
+                    </a:p>
+                  </a:txBody>
+                  <a:tcPr/>
+                </a:tc>
+                <a:tc>
+                  <a:txBody>
+                    <a:bodyPr/>
+                    <a:lstStyle/>
+                    <a:p>
+                      <a:pPr latinLnBrk="1"/>
+                      <a:endParaRPr lang="ko-KR" altLang="en-US" dirty="0"/>
+                    </a:p>
+                  </a:txBody>
+                  <a:tcPr/>
+                </a:tc>
+                <a:tc>
+                  <a:txBody>
+                    <a:bodyPr/>
+                    <a:lstStyle/>
+                    <a:p>
+                      <a:pPr latinLnBrk="1"/>
+                      <a:endParaRPr lang="ko-KR" altLang="en-US" dirty="0"/>
+                    </a:p>
+                  </a:txBody>
+                  <a:tcPr/>
+                </a:tc>
+                <a:extLst>
+                  <a:ext uri="{0D108BD9-81ED-4DB2-BD59-A6C34878D82A}">
+                    <a16:rowId xmlns:a16="http://schemas.microsoft.com/office/drawing/2014/main" val="991145277"/>
+                  </a:ext>
+                </a:extLst>
+              </a:tr>
+              <a:tr h="540000">
+                <a:tc>
+                  <a:txBody>
+                    <a:bodyPr/>
+                    <a:lstStyle/>
+                    <a:p>
+                      <a:pPr marL="0" marR="0" lvl="0" indent="0" algn="just" defTabSz="914400" rtl="0" eaLnBrk="1" fontAlgn="auto" latinLnBrk="1" hangingPunct="1">
+                        <a:lnSpc>
+                          <a:spcPct val="100000"/>
+                        </a:lnSpc>
+                        <a:spcBef>
+                          <a:spcPts val="0"/>
+                        </a:spcBef>
+                        <a:spcAft>
+                          <a:spcPts val="0"/>
+                        </a:spcAft>
+                        <a:buClrTx/>
+                        <a:buSzTx/>
+                        <a:buFontTx/>
+                        <a:buNone/>
+                        <a:tabLst/>
+                        <a:defRPr/>
+                      </a:pPr>
+                      <a:r>
+                        <a:rPr lang="ko-KR" altLang="en-US" sz="1400" b="1" dirty="0"/>
+                        <a:t>주요 기술 연구 </a:t>
+                      </a:r>
+                      <a:r>
+                        <a:rPr lang="en-US" altLang="ko-KR" sz="1400" b="1" dirty="0"/>
+                        <a:t>– </a:t>
+                      </a:r>
+                      <a:r>
+                        <a:rPr lang="ko-KR" altLang="en-US" sz="1400" b="1" dirty="0"/>
+                        <a:t>딥러닝 모델 연구</a:t>
+                      </a:r>
+                      <a:endParaRPr lang="en-US" altLang="ko-KR" sz="1400" b="1" dirty="0"/>
+                    </a:p>
+                  </a:txBody>
+                  <a:tcPr anchor="ctr">
+                    <a:lnR w="3175" cap="flat" cmpd="sng" algn="ctr">
+                      <a:solidFill>
+                        <a:schemeClr val="tx1"/>
+                      </a:solidFill>
+                      <a:prstDash val="solid"/>
+                      <a:round/>
+                      <a:headEnd type="none" w="med" len="med"/>
+                      <a:tailEnd type="none" w="med" len="med"/>
+                    </a:lnR>
+                  </a:tcPr>
+                </a:tc>
+                <a:tc>
+                  <a:txBody>
+                    <a:bodyPr/>
+                    <a:lstStyle/>
+                    <a:p>
+                      <a:pPr latinLnBrk="1"/>
+                      <a:endParaRPr lang="ko-KR" altLang="en-US" dirty="0"/>
+                    </a:p>
+                  </a:txBody>
+                  <a:tcPr>
+                    <a:lnL w="3175" cap="flat" cmpd="sng" algn="ctr">
+                      <a:solidFill>
+                        <a:schemeClr val="tx1"/>
+                      </a:solidFill>
+                      <a:prstDash val="solid"/>
+                      <a:round/>
+                      <a:headEnd type="none" w="med" len="med"/>
+                      <a:tailEnd type="none" w="med" len="med"/>
+                    </a:lnL>
+                    <a:lnR w="3175" cap="flat" cmpd="sng" algn="ctr">
+                      <a:noFill/>
+                      <a:prstDash val="solid"/>
+                      <a:round/>
+                      <a:headEnd type="none" w="med" len="med"/>
+                      <a:tailEnd type="none" w="med" len="med"/>
+                    </a:lnR>
+                    <a:lnT w="3175" cap="flat" cmpd="sng" algn="ctr">
+                      <a:solidFill>
+                        <a:schemeClr val="tx1"/>
+                      </a:solidFill>
+                      <a:prstDash val="solid"/>
+                      <a:round/>
+                      <a:headEnd type="none" w="med" len="med"/>
+                      <a:tailEnd type="none" w="med" len="med"/>
+                    </a:lnT>
+                    <a:lnB w="3175" cap="flat" cmpd="sng" algn="ctr">
+                      <a:solidFill>
+                        <a:schemeClr val="tx1"/>
+                      </a:solidFill>
+                      <a:prstDash val="solid"/>
+                      <a:round/>
+                      <a:headEnd type="none" w="med" len="med"/>
+                      <a:tailEnd type="none" w="med" len="med"/>
+                    </a:lnB>
+                  </a:tcPr>
+                </a:tc>
+                <a:tc>
+                  <a:txBody>
+                    <a:bodyPr/>
+                    <a:lstStyle/>
+                    <a:p>
+                      <a:pPr latinLnBrk="1"/>
+                      <a:endParaRPr lang="ko-KR" altLang="en-US" dirty="0"/>
+                    </a:p>
+                  </a:txBody>
+                  <a:tcPr>
+                    <a:lnL w="3175" cap="flat" cmpd="sng" algn="ctr">
+                      <a:noFill/>
+                      <a:prstDash val="solid"/>
+                      <a:round/>
+                      <a:headEnd type="none" w="med" len="med"/>
+                      <a:tailEnd type="none" w="med" len="med"/>
+                    </a:lnL>
+                    <a:lnR>
+                      <a:noFill/>
+                    </a:lnR>
+                    <a:lnT w="3175" cap="flat" cmpd="sng" algn="ctr">
+                      <a:solidFill>
+                        <a:schemeClr val="tx1"/>
+                      </a:solidFill>
+                      <a:prstDash val="solid"/>
+                      <a:round/>
+                      <a:headEnd type="none" w="med" len="med"/>
+                      <a:tailEnd type="none" w="med" len="med"/>
+                    </a:lnT>
+                    <a:lnB w="6350" cap="flat" cmpd="sng" algn="ctr">
+                      <a:noFill/>
+                      <a:prstDash val="solid"/>
+                      <a:miter lim="800000"/>
+                    </a:lnB>
+                    <a:lnTlToBr w="12700" cmpd="sng">
+                      <a:noFill/>
+                      <a:prstDash val="solid"/>
+                    </a:lnTlToBr>
+                    <a:lnBlToTr w="12700" cmpd="sng">
+                      <a:noFill/>
+                      <a:prstDash val="solid"/>
+                    </a:lnBlToTr>
+                    <a:solidFill>
+                      <a:schemeClr val="accent6">
+                        <a:lumMod val="20000"/>
+                        <a:lumOff val="80000"/>
+                      </a:schemeClr>
+                    </a:solidFill>
+                  </a:tcPr>
+                </a:tc>
+                <a:tc>
+                  <a:txBody>
+                    <a:bodyPr/>
+                    <a:lstStyle/>
+                    <a:p>
+                      <a:pPr latinLnBrk="1"/>
+                      <a:endParaRPr lang="ko-KR" altLang="en-US" dirty="0"/>
+                    </a:p>
+                  </a:txBody>
+                  <a:tcPr>
+                    <a:lnL>
+                      <a:noFill/>
+                    </a:lnL>
+                    <a:lnR w="3175" cap="flat" cmpd="sng" algn="ctr">
+                      <a:noFill/>
+                      <a:prstDash val="solid"/>
+                      <a:round/>
+                      <a:headEnd type="none" w="med" len="med"/>
+                      <a:tailEnd type="none" w="med" len="med"/>
+                    </a:lnR>
+                    <a:lnT w="3175" cap="flat" cmpd="sng" algn="ctr">
+                      <a:solidFill>
+                        <a:schemeClr val="tx1"/>
+                      </a:solidFill>
+                      <a:prstDash val="solid"/>
+                      <a:round/>
+                      <a:headEnd type="none" w="med" len="med"/>
+                      <a:tailEnd type="none" w="med" len="med"/>
+                    </a:lnT>
+                    <a:lnB w="6350" cap="flat" cmpd="sng" algn="ctr">
+                      <a:noFill/>
+                      <a:prstDash val="solid"/>
+                      <a:miter lim="800000"/>
+                    </a:lnB>
+                    <a:lnTlToBr w="12700" cmpd="sng">
+                      <a:noFill/>
+                      <a:prstDash val="solid"/>
+                    </a:lnTlToBr>
+                    <a:lnBlToTr w="12700" cmpd="sng">
+                      <a:noFill/>
+                      <a:prstDash val="solid"/>
+                    </a:lnBlToTr>
+                    <a:solidFill>
+                      <a:schemeClr val="accent6">
+                        <a:lumMod val="20000"/>
+                        <a:lumOff val="80000"/>
+                      </a:schemeClr>
+                    </a:solidFill>
+                  </a:tcPr>
+                </a:tc>
+                <a:tc>
+                  <a:txBody>
+                    <a:bodyPr/>
+                    <a:lstStyle/>
+                    <a:p>
+                      <a:pPr latinLnBrk="1"/>
+                      <a:endParaRPr lang="ko-KR" altLang="en-US" dirty="0"/>
+                    </a:p>
+                  </a:txBody>
+                  <a:tcPr>
+                    <a:lnL w="3175" cap="flat" cmpd="sng" algn="ctr">
+                      <a:noFill/>
+                      <a:prstDash val="solid"/>
+                      <a:round/>
+                      <a:headEnd type="none" w="med" len="med"/>
+                      <a:tailEnd type="none" w="med" len="med"/>
+                    </a:lnL>
+                    <a:solidFill>
+                      <a:srgbClr val="FAFBFC"/>
+                    </a:solidFill>
+                  </a:tcPr>
+                </a:tc>
+                <a:tc>
+                  <a:txBody>
+                    <a:bodyPr/>
+                    <a:lstStyle/>
+                    <a:p>
+                      <a:pPr latinLnBrk="1"/>
+                      <a:endParaRPr lang="ko-KR" altLang="en-US" dirty="0"/>
+                    </a:p>
+                  </a:txBody>
+                  <a:tcPr>
+                    <a:solidFill>
+                      <a:srgbClr val="FAFBFC"/>
+                    </a:solidFill>
+                  </a:tcPr>
+                </a:tc>
+                <a:tc>
+                  <a:txBody>
+                    <a:bodyPr/>
+                    <a:lstStyle/>
+                    <a:p>
+                      <a:pPr latinLnBrk="1"/>
+                      <a:endParaRPr lang="ko-KR" altLang="en-US" dirty="0"/>
+                    </a:p>
+                  </a:txBody>
+                  <a:tcPr>
+                    <a:solidFill>
+                      <a:srgbClr val="FAFBFC"/>
+                    </a:solidFill>
+                  </a:tcPr>
+                </a:tc>
+                <a:extLst>
+                  <a:ext uri="{0D108BD9-81ED-4DB2-BD59-A6C34878D82A}">
+                    <a16:rowId xmlns:a16="http://schemas.microsoft.com/office/drawing/2014/main" val="1116839559"/>
+                  </a:ext>
+                </a:extLst>
+              </a:tr>
+              <a:tr h="540000">
+                <a:tc>
+                  <a:txBody>
+                    <a:bodyPr/>
+                    <a:lstStyle/>
+                    <a:p>
+                      <a:pPr algn="just" latinLnBrk="1"/>
+                      <a:r>
+                        <a:rPr lang="ko-KR" altLang="en-US" sz="1400" b="1" dirty="0"/>
+                        <a:t>관련 시스템 분석 </a:t>
+                      </a:r>
+                      <a:r>
+                        <a:rPr lang="en-US" altLang="ko-KR" sz="1400" b="1" dirty="0"/>
+                        <a:t>– AWS </a:t>
+                      </a:r>
+                      <a:r>
+                        <a:rPr lang="ko-KR" altLang="en-US" sz="1400" b="1" dirty="0"/>
+                        <a:t>서비스 분석</a:t>
+                      </a:r>
+                      <a:endParaRPr lang="en-US" altLang="ko-KR" sz="1400" b="1" dirty="0"/>
+                    </a:p>
+                  </a:txBody>
+                  <a:tcPr anchor="ctr">
+                    <a:lnR w="3175" cap="flat" cmpd="sng" algn="ctr">
+                      <a:solidFill>
+                        <a:schemeClr val="tx1"/>
+                      </a:solidFill>
+                      <a:prstDash val="solid"/>
+                      <a:round/>
+                      <a:headEnd type="none" w="med" len="med"/>
+                      <a:tailEnd type="none" w="med" len="med"/>
+                    </a:lnR>
+                  </a:tcPr>
+                </a:tc>
+                <a:tc>
+                  <a:txBody>
+                    <a:bodyPr/>
+                    <a:lstStyle/>
+                    <a:p>
+                      <a:pPr latinLnBrk="1"/>
+                      <a:endParaRPr lang="ko-KR" altLang="en-US" dirty="0"/>
+                    </a:p>
+                  </a:txBody>
+                  <a:tcPr>
+                    <a:lnL w="3175" cap="flat" cmpd="sng" algn="ctr">
+                      <a:solidFill>
+                        <a:schemeClr val="tx1"/>
+                      </a:solidFill>
+                      <a:prstDash val="solid"/>
+                      <a:round/>
+                      <a:headEnd type="none" w="med" len="med"/>
+                      <a:tailEnd type="none" w="med" len="med"/>
+                    </a:lnL>
+                    <a:lnR w="3175" cap="flat" cmpd="sng" algn="ctr">
+                      <a:noFill/>
+                      <a:prstDash val="solid"/>
+                      <a:round/>
+                      <a:headEnd type="none" w="med" len="med"/>
+                      <a:tailEnd type="none" w="med" len="med"/>
+                    </a:lnR>
+                    <a:lnT w="3175" cap="flat" cmpd="sng" algn="ctr">
+                      <a:solidFill>
+                        <a:schemeClr val="tx1"/>
+                      </a:solidFill>
+                      <a:prstDash val="solid"/>
+                      <a:round/>
+                      <a:headEnd type="none" w="med" len="med"/>
+                      <a:tailEnd type="none" w="med" len="med"/>
+                    </a:lnT>
+                    <a:lnB w="3175" cap="flat" cmpd="sng" algn="ctr">
+                      <a:solidFill>
+                        <a:schemeClr val="tx1"/>
+                      </a:solidFill>
+                      <a:prstDash val="solid"/>
+                      <a:round/>
+                      <a:headEnd type="none" w="med" len="med"/>
+                      <a:tailEnd type="none" w="med" len="med"/>
+                    </a:lnB>
+                  </a:tcPr>
+                </a:tc>
+                <a:tc>
+                  <a:txBody>
+                    <a:bodyPr/>
+                    <a:lstStyle/>
+                    <a:p>
+                      <a:pPr latinLnBrk="1"/>
+                      <a:endParaRPr lang="ko-KR" altLang="en-US" dirty="0"/>
+                    </a:p>
+                  </a:txBody>
+                  <a:tcPr>
+                    <a:lnL w="3175" cap="flat" cmpd="sng" algn="ctr">
+                      <a:noFill/>
+                      <a:prstDash val="solid"/>
+                      <a:round/>
+                      <a:headEnd type="none" w="med" len="med"/>
+                      <a:tailEnd type="none" w="med" len="med"/>
+                    </a:lnL>
+                    <a:lnR>
+                      <a:noFill/>
+                    </a:lnR>
+                    <a:lnT w="6350" cap="flat" cmpd="sng" algn="ctr">
+                      <a:noFill/>
+                      <a:prstDash val="solid"/>
+                      <a:miter lim="800000"/>
+                    </a:lnT>
+                    <a:lnB w="6350" cap="flat" cmpd="sng" algn="ctr">
+                      <a:noFill/>
+                      <a:prstDash val="solid"/>
+                      <a:miter lim="800000"/>
+                    </a:lnB>
+                    <a:lnTlToBr w="12700" cmpd="sng">
+                      <a:noFill/>
+                      <a:prstDash val="solid"/>
+                    </a:lnTlToBr>
+                    <a:lnBlToTr w="12700" cmpd="sng">
+                      <a:noFill/>
+                      <a:prstDash val="solid"/>
+                    </a:lnBlToTr>
+                    <a:solidFill>
+                      <a:schemeClr val="accent6">
+                        <a:lumMod val="20000"/>
+                        <a:lumOff val="80000"/>
+                      </a:schemeClr>
+                    </a:solidFill>
+                  </a:tcPr>
+                </a:tc>
+                <a:tc>
+                  <a:txBody>
+                    <a:bodyPr/>
+                    <a:lstStyle/>
+                    <a:p>
+                      <a:pPr latinLnBrk="1"/>
+                      <a:endParaRPr lang="ko-KR" altLang="en-US" dirty="0"/>
+                    </a:p>
+                  </a:txBody>
+                  <a:tcPr>
+                    <a:lnL>
+                      <a:noFill/>
+                    </a:lnL>
+                    <a:lnR w="3175" cap="flat" cmpd="sng" algn="ctr">
+                      <a:noFill/>
+                      <a:prstDash val="solid"/>
+                      <a:round/>
+                      <a:headEnd type="none" w="med" len="med"/>
+                      <a:tailEnd type="none" w="med" len="med"/>
+                    </a:lnR>
+                    <a:lnT w="6350" cap="flat" cmpd="sng" algn="ctr">
+                      <a:noFill/>
+                      <a:prstDash val="solid"/>
+                      <a:miter lim="800000"/>
+                    </a:lnT>
+                    <a:lnB w="6350" cap="flat" cmpd="sng" algn="ctr">
+                      <a:noFill/>
+                      <a:prstDash val="solid"/>
+                      <a:miter lim="800000"/>
+                    </a:lnB>
+                    <a:lnTlToBr w="12700" cmpd="sng">
+                      <a:noFill/>
+                      <a:prstDash val="solid"/>
+                    </a:lnTlToBr>
+                    <a:lnBlToTr w="12700" cmpd="sng">
+                      <a:noFill/>
+                      <a:prstDash val="solid"/>
+                    </a:lnBlToTr>
+                    <a:solidFill>
+                      <a:schemeClr val="accent6">
+                        <a:lumMod val="20000"/>
+                        <a:lumOff val="80000"/>
+                      </a:schemeClr>
+                    </a:solidFill>
+                  </a:tcPr>
+                </a:tc>
+                <a:tc>
+                  <a:txBody>
+                    <a:bodyPr/>
+                    <a:lstStyle/>
+                    <a:p>
+                      <a:pPr latinLnBrk="1"/>
+                      <a:endParaRPr lang="ko-KR" altLang="en-US" dirty="0"/>
+                    </a:p>
+                  </a:txBody>
+                  <a:tcPr>
+                    <a:lnL w="3175" cap="flat" cmpd="sng" algn="ctr">
+                      <a:noFill/>
+                      <a:prstDash val="solid"/>
+                      <a:round/>
+                      <a:headEnd type="none" w="med" len="med"/>
+                      <a:tailEnd type="none" w="med" len="med"/>
+                    </a:lnL>
+                    <a:solidFill>
+                      <a:srgbClr val="FAFBFC"/>
+                    </a:solidFill>
+                  </a:tcPr>
+                </a:tc>
+                <a:tc>
+                  <a:txBody>
+                    <a:bodyPr/>
+                    <a:lstStyle/>
+                    <a:p>
+                      <a:pPr latinLnBrk="1"/>
+                      <a:endParaRPr lang="ko-KR" altLang="en-US" dirty="0"/>
+                    </a:p>
+                  </a:txBody>
+                  <a:tcPr>
+                    <a:solidFill>
+                      <a:srgbClr val="FAFBFC"/>
+                    </a:solidFill>
+                  </a:tcPr>
+                </a:tc>
+                <a:tc>
+                  <a:txBody>
+                    <a:bodyPr/>
+                    <a:lstStyle/>
+                    <a:p>
+                      <a:pPr latinLnBrk="1"/>
+                      <a:endParaRPr lang="ko-KR" altLang="en-US" dirty="0"/>
+                    </a:p>
+                  </a:txBody>
+                  <a:tcPr>
+                    <a:solidFill>
+                      <a:srgbClr val="FAFBFC"/>
+                    </a:solidFill>
+                  </a:tcPr>
+                </a:tc>
+                <a:extLst>
+                  <a:ext uri="{0D108BD9-81ED-4DB2-BD59-A6C34878D82A}">
+                    <a16:rowId xmlns:a16="http://schemas.microsoft.com/office/drawing/2014/main" val="2197190260"/>
+                  </a:ext>
+                </a:extLst>
+              </a:tr>
+              <a:tr h="540000">
+                <a:tc>
+                  <a:txBody>
+                    <a:bodyPr/>
+                    <a:lstStyle/>
+                    <a:p>
+                      <a:pPr algn="just" latinLnBrk="1"/>
+                      <a:r>
+                        <a:rPr lang="ko-KR" altLang="en-US" sz="1400" b="1" dirty="0"/>
+                        <a:t>데이터셋 구축</a:t>
+                      </a:r>
+                    </a:p>
+                  </a:txBody>
+                  <a:tcPr anchor="ctr">
+                    <a:lnR w="3175" cap="flat" cmpd="sng" algn="ctr">
+                      <a:solidFill>
+                        <a:schemeClr val="tx1"/>
+                      </a:solidFill>
+                      <a:prstDash val="solid"/>
+                      <a:round/>
+                      <a:headEnd type="none" w="med" len="med"/>
+                      <a:tailEnd type="none" w="med" len="med"/>
+                    </a:lnR>
+                  </a:tcPr>
+                </a:tc>
+                <a:tc>
+                  <a:txBody>
+                    <a:bodyPr/>
+                    <a:lstStyle/>
+                    <a:p>
+                      <a:pPr latinLnBrk="1"/>
+                      <a:endParaRPr lang="ko-KR" altLang="en-US" dirty="0"/>
+                    </a:p>
+                  </a:txBody>
+                  <a:tcPr>
+                    <a:lnL w="3175" cap="flat" cmpd="sng" algn="ctr">
+                      <a:solidFill>
+                        <a:schemeClr val="tx1"/>
+                      </a:solidFill>
+                      <a:prstDash val="solid"/>
+                      <a:round/>
+                      <a:headEnd type="none" w="med" len="med"/>
+                      <a:tailEnd type="none" w="med" len="med"/>
+                    </a:lnL>
+                    <a:lnR w="3175" cap="flat" cmpd="sng" algn="ctr">
+                      <a:noFill/>
+                      <a:prstDash val="solid"/>
+                      <a:round/>
+                      <a:headEnd type="none" w="med" len="med"/>
+                      <a:tailEnd type="none" w="med" len="med"/>
+                    </a:lnR>
+                    <a:lnT w="3175" cap="flat" cmpd="sng" algn="ctr">
+                      <a:solidFill>
+                        <a:schemeClr val="tx1"/>
+                      </a:solidFill>
+                      <a:prstDash val="solid"/>
+                      <a:round/>
+                      <a:headEnd type="none" w="med" len="med"/>
+                      <a:tailEnd type="none" w="med" len="med"/>
+                    </a:lnT>
+                    <a:lnB w="3175" cap="flat" cmpd="sng" algn="ctr">
+                      <a:solidFill>
+                        <a:schemeClr val="tx1"/>
+                      </a:solidFill>
+                      <a:prstDash val="solid"/>
+                      <a:round/>
+                      <a:headEnd type="none" w="med" len="med"/>
+                      <a:tailEnd type="none" w="med" len="med"/>
+                    </a:lnB>
+                  </a:tcPr>
+                </a:tc>
+                <a:tc>
+                  <a:txBody>
+                    <a:bodyPr/>
+                    <a:lstStyle/>
+                    <a:p>
+                      <a:pPr latinLnBrk="1"/>
+                      <a:endParaRPr lang="ko-KR" altLang="en-US" dirty="0"/>
+                    </a:p>
+                  </a:txBody>
+                  <a:tcPr>
+                    <a:lnL w="3175" cap="flat" cmpd="sng" algn="ctr">
+                      <a:noFill/>
+                      <a:prstDash val="solid"/>
+                      <a:round/>
+                      <a:headEnd type="none" w="med" len="med"/>
+                      <a:tailEnd type="none" w="med" len="med"/>
+                    </a:lnL>
+                    <a:lnR>
+                      <a:noFill/>
+                    </a:lnR>
+                    <a:lnT w="6350" cap="flat" cmpd="sng" algn="ctr">
+                      <a:noFill/>
+                      <a:prstDash val="solid"/>
+                      <a:miter lim="800000"/>
+                    </a:lnT>
+                    <a:lnB w="3175" cap="flat" cmpd="sng" algn="ctr">
+                      <a:solidFill>
+                        <a:schemeClr val="tx1"/>
+                      </a:solidFill>
+                      <a:prstDash val="solid"/>
+                      <a:round/>
+                      <a:headEnd type="none" w="med" len="med"/>
+                      <a:tailEnd type="none" w="med" len="med"/>
+                    </a:lnB>
+                    <a:lnTlToBr w="12700" cmpd="sng">
+                      <a:noFill/>
+                      <a:prstDash val="solid"/>
+                    </a:lnTlToBr>
+                    <a:lnBlToTr w="12700" cmpd="sng">
+                      <a:noFill/>
+                      <a:prstDash val="solid"/>
+                    </a:lnBlToTr>
+                    <a:solidFill>
+                      <a:schemeClr val="accent6">
+                        <a:lumMod val="20000"/>
+                        <a:lumOff val="80000"/>
+                      </a:schemeClr>
+                    </a:solidFill>
+                  </a:tcPr>
+                </a:tc>
+                <a:tc>
+                  <a:txBody>
+                    <a:bodyPr/>
+                    <a:lstStyle/>
+                    <a:p>
+                      <a:pPr latinLnBrk="1"/>
+                      <a:endParaRPr lang="ko-KR" altLang="en-US" dirty="0"/>
+                    </a:p>
+                  </a:txBody>
+                  <a:tcPr>
+                    <a:lnL>
+                      <a:noFill/>
+                    </a:lnL>
+                    <a:lnR w="3175" cap="flat" cmpd="sng" algn="ctr">
+                      <a:noFill/>
+                      <a:prstDash val="solid"/>
+                      <a:round/>
+                      <a:headEnd type="none" w="med" len="med"/>
+                      <a:tailEnd type="none" w="med" len="med"/>
+                    </a:lnR>
+                    <a:lnT w="6350" cap="flat" cmpd="sng" algn="ctr">
+                      <a:noFill/>
+                      <a:prstDash val="solid"/>
+                      <a:miter lim="800000"/>
+                    </a:lnT>
+                    <a:lnB w="3175" cap="flat" cmpd="sng" algn="ctr">
+                      <a:solidFill>
+                        <a:schemeClr val="tx1"/>
+                      </a:solidFill>
+                      <a:prstDash val="solid"/>
+                      <a:round/>
+                      <a:headEnd type="none" w="med" len="med"/>
+                      <a:tailEnd type="none" w="med" len="med"/>
+                    </a:lnB>
+                    <a:lnTlToBr w="12700" cmpd="sng">
+                      <a:noFill/>
+                      <a:prstDash val="solid"/>
+                    </a:lnTlToBr>
+                    <a:lnBlToTr w="12700" cmpd="sng">
+                      <a:noFill/>
+                      <a:prstDash val="solid"/>
+                    </a:lnBlToTr>
+                    <a:solidFill>
+                      <a:schemeClr val="accent6">
+                        <a:lumMod val="20000"/>
+                        <a:lumOff val="80000"/>
+                      </a:schemeClr>
+                    </a:solidFill>
+                  </a:tcPr>
+                </a:tc>
+                <a:tc>
+                  <a:txBody>
+                    <a:bodyPr/>
+                    <a:lstStyle/>
+                    <a:p>
+                      <a:pPr latinLnBrk="1"/>
+                      <a:endParaRPr lang="ko-KR" altLang="en-US" dirty="0"/>
+                    </a:p>
+                  </a:txBody>
+                  <a:tcPr>
+                    <a:lnL w="3175" cap="flat" cmpd="sng" algn="ctr">
+                      <a:noFill/>
+                      <a:prstDash val="solid"/>
+                      <a:round/>
+                      <a:headEnd type="none" w="med" len="med"/>
+                      <a:tailEnd type="none" w="med" len="med"/>
+                    </a:lnL>
+                    <a:solidFill>
+                      <a:srgbClr val="FAFBFC"/>
+                    </a:solidFill>
+                  </a:tcPr>
+                </a:tc>
+                <a:tc>
+                  <a:txBody>
+                    <a:bodyPr/>
+                    <a:lstStyle/>
+                    <a:p>
+                      <a:pPr latinLnBrk="1"/>
+                      <a:endParaRPr lang="ko-KR" altLang="en-US" dirty="0"/>
+                    </a:p>
+                  </a:txBody>
+                  <a:tcPr>
+                    <a:solidFill>
+                      <a:srgbClr val="FAFBFC"/>
+                    </a:solidFill>
+                  </a:tcPr>
+                </a:tc>
+                <a:tc>
+                  <a:txBody>
+                    <a:bodyPr/>
+                    <a:lstStyle/>
+                    <a:p>
+                      <a:pPr latinLnBrk="1"/>
+                      <a:endParaRPr lang="ko-KR" altLang="en-US" dirty="0"/>
+                    </a:p>
+                  </a:txBody>
+                  <a:tcPr>
+                    <a:solidFill>
+                      <a:srgbClr val="FAFBFC"/>
+                    </a:solidFill>
+                  </a:tcPr>
+                </a:tc>
+                <a:extLst>
+                  <a:ext uri="{0D108BD9-81ED-4DB2-BD59-A6C34878D82A}">
+                    <a16:rowId xmlns:a16="http://schemas.microsoft.com/office/drawing/2014/main" val="3789029103"/>
+                  </a:ext>
+                </a:extLst>
+              </a:tr>
+              <a:tr h="540000">
+                <a:tc>
+                  <a:txBody>
+                    <a:bodyPr/>
+                    <a:lstStyle/>
+                    <a:p>
+                      <a:pPr algn="just" latinLnBrk="1"/>
+                      <a:r>
+                        <a:rPr lang="ko-KR" altLang="en-US" sz="1400" b="1" dirty="0"/>
+                        <a:t>시스템 설계</a:t>
+                      </a:r>
+                    </a:p>
+                  </a:txBody>
+                  <a:tcPr anchor="ctr">
+                    <a:lnR w="3175" cap="flat" cmpd="sng" algn="ctr">
+                      <a:solidFill>
+                        <a:schemeClr val="tx1"/>
+                      </a:solidFill>
+                      <a:prstDash val="solid"/>
+                      <a:round/>
+                      <a:headEnd type="none" w="med" len="med"/>
+                      <a:tailEnd type="none" w="med" len="med"/>
+                    </a:lnR>
+                  </a:tcPr>
+                </a:tc>
+                <a:tc>
+                  <a:txBody>
+                    <a:bodyPr/>
+                    <a:lstStyle/>
+                    <a:p>
+                      <a:pPr latinLnBrk="1"/>
+                      <a:endParaRPr lang="ko-KR" altLang="en-US" dirty="0"/>
+                    </a:p>
+                  </a:txBody>
+                  <a:tcPr>
+                    <a:lnL w="3175" cap="flat" cmpd="sng" algn="ctr">
+                      <a:solidFill>
+                        <a:schemeClr val="tx1"/>
+                      </a:solidFill>
+                      <a:prstDash val="solid"/>
+                      <a:round/>
+                      <a:headEnd type="none" w="med" len="med"/>
+                      <a:tailEnd type="none" w="med" len="med"/>
+                    </a:lnL>
+                    <a:lnR w="3175" cap="flat" cmpd="sng" algn="ctr">
+                      <a:noFill/>
+                      <a:prstDash val="solid"/>
+                      <a:round/>
+                      <a:headEnd type="none" w="med" len="med"/>
+                      <a:tailEnd type="none" w="med" len="med"/>
+                    </a:lnR>
+                    <a:lnT w="3175" cap="flat" cmpd="sng" algn="ctr">
+                      <a:solidFill>
+                        <a:schemeClr val="tx1"/>
+                      </a:solidFill>
+                      <a:prstDash val="solid"/>
+                      <a:round/>
+                      <a:headEnd type="none" w="med" len="med"/>
+                      <a:tailEnd type="none" w="med" len="med"/>
+                    </a:lnT>
+                    <a:lnB w="3175" cap="flat" cmpd="sng" algn="ctr">
+                      <a:solidFill>
+                        <a:schemeClr val="tx1"/>
+                      </a:solidFill>
+                      <a:prstDash val="solid"/>
+                      <a:round/>
+                      <a:headEnd type="none" w="med" len="med"/>
+                      <a:tailEnd type="none" w="med" len="med"/>
+                    </a:lnB>
+                  </a:tcPr>
+                </a:tc>
+                <a:tc>
+                  <a:txBody>
+                    <a:bodyPr/>
+                    <a:lstStyle/>
+                    <a:p>
+                      <a:pPr latinLnBrk="1"/>
+                      <a:endParaRPr lang="ko-KR" altLang="en-US" dirty="0"/>
+                    </a:p>
+                  </a:txBody>
+                  <a:tcPr>
+                    <a:lnL w="3175" cap="flat" cmpd="sng" algn="ctr">
+                      <a:noFill/>
+                      <a:prstDash val="solid"/>
+                      <a:round/>
+                      <a:headEnd type="none" w="med" len="med"/>
+                      <a:tailEnd type="none" w="med" len="med"/>
+                    </a:lnL>
+                    <a:lnR>
+                      <a:noFill/>
+                    </a:lnR>
+                    <a:lnT w="3175" cap="flat" cmpd="sng" algn="ctr">
+                      <a:solidFill>
+                        <a:schemeClr val="tx1"/>
+                      </a:solidFill>
+                      <a:prstDash val="solid"/>
+                      <a:round/>
+                      <a:headEnd type="none" w="med" len="med"/>
+                      <a:tailEnd type="none" w="med" len="med"/>
+                    </a:lnT>
+                    <a:lnB w="3175" cap="flat" cmpd="sng" algn="ctr">
+                      <a:solidFill>
+                        <a:schemeClr val="tx1"/>
+                      </a:solidFill>
+                      <a:prstDash val="solid"/>
+                      <a:round/>
+                      <a:headEnd type="none" w="med" len="med"/>
+                      <a:tailEnd type="none" w="med" len="med"/>
+                    </a:lnB>
+                    <a:lnTlToBr w="12700" cmpd="sng">
+                      <a:noFill/>
+                      <a:prstDash val="solid"/>
+                    </a:lnTlToBr>
+                    <a:lnBlToTr w="12700" cmpd="sng">
+                      <a:noFill/>
+                      <a:prstDash val="solid"/>
+                    </a:lnBlToTr>
+                    <a:solidFill>
+                      <a:srgbClr val="FAFBFC"/>
+                    </a:solidFill>
+                  </a:tcPr>
+                </a:tc>
+                <a:tc>
+                  <a:txBody>
+                    <a:bodyPr/>
+                    <a:lstStyle/>
+                    <a:p>
+                      <a:pPr latinLnBrk="1"/>
+                      <a:endParaRPr lang="ko-KR" altLang="en-US" dirty="0"/>
+                    </a:p>
+                  </a:txBody>
+                  <a:tcPr>
+                    <a:lnL>
+                      <a:noFill/>
+                    </a:lnL>
+                    <a:lnR w="3175" cap="flat" cmpd="sng" algn="ctr">
+                      <a:noFill/>
+                      <a:prstDash val="solid"/>
+                      <a:round/>
+                      <a:headEnd type="none" w="med" len="med"/>
+                      <a:tailEnd type="none" w="med" len="med"/>
+                    </a:lnR>
+                    <a:lnT w="3175" cap="flat" cmpd="sng" algn="ctr">
+                      <a:solidFill>
+                        <a:schemeClr val="tx1"/>
+                      </a:solidFill>
+                      <a:prstDash val="solid"/>
+                      <a:round/>
+                      <a:headEnd type="none" w="med" len="med"/>
+                      <a:tailEnd type="none" w="med" len="med"/>
+                    </a:lnT>
+                    <a:lnB w="3175" cap="flat" cmpd="sng" algn="ctr">
+                      <a:solidFill>
+                        <a:schemeClr val="tx1"/>
+                      </a:solidFill>
+                      <a:prstDash val="solid"/>
+                      <a:round/>
+                      <a:headEnd type="none" w="med" len="med"/>
+                      <a:tailEnd type="none" w="med" len="med"/>
+                    </a:lnB>
+                    <a:lnTlToBr w="12700" cmpd="sng">
+                      <a:noFill/>
+                      <a:prstDash val="solid"/>
+                    </a:lnTlToBr>
+                    <a:lnBlToTr w="12700" cmpd="sng">
+                      <a:noFill/>
+                      <a:prstDash val="solid"/>
+                    </a:lnBlToTr>
+                    <a:solidFill>
+                      <a:srgbClr val="FAFBFC"/>
+                    </a:solidFill>
+                  </a:tcPr>
+                </a:tc>
+                <a:tc>
+                  <a:txBody>
+                    <a:bodyPr/>
+                    <a:lstStyle/>
+                    <a:p>
+                      <a:pPr latinLnBrk="1"/>
+                      <a:endParaRPr lang="ko-KR" altLang="en-US" dirty="0"/>
+                    </a:p>
+                  </a:txBody>
+                  <a:tcPr>
+                    <a:lnL w="3175" cap="flat" cmpd="sng" algn="ctr">
+                      <a:noFill/>
+                      <a:prstDash val="solid"/>
+                      <a:round/>
+                      <a:headEnd type="none" w="med" len="med"/>
+                      <a:tailEnd type="none" w="med" len="med"/>
+                    </a:lnL>
+                    <a:solidFill>
+                      <a:srgbClr val="E2F0D9"/>
+                    </a:solidFill>
+                  </a:tcPr>
+                </a:tc>
+                <a:tc>
+                  <a:txBody>
+                    <a:bodyPr/>
+                    <a:lstStyle/>
+                    <a:p>
+                      <a:pPr latinLnBrk="1"/>
+                      <a:endParaRPr lang="ko-KR" altLang="en-US" dirty="0"/>
+                    </a:p>
+                  </a:txBody>
+                  <a:tcPr>
+                    <a:solidFill>
+                      <a:srgbClr val="FAFBFC"/>
+                    </a:solidFill>
+                  </a:tcPr>
+                </a:tc>
+                <a:tc>
+                  <a:txBody>
+                    <a:bodyPr/>
+                    <a:lstStyle/>
+                    <a:p>
+                      <a:pPr latinLnBrk="1"/>
+                      <a:endParaRPr lang="ko-KR" altLang="en-US" dirty="0"/>
+                    </a:p>
+                  </a:txBody>
+                  <a:tcPr>
+                    <a:solidFill>
+                      <a:srgbClr val="FAFBFC"/>
+                    </a:solidFill>
+                  </a:tcPr>
+                </a:tc>
+                <a:extLst>
+                  <a:ext uri="{0D108BD9-81ED-4DB2-BD59-A6C34878D82A}">
+                    <a16:rowId xmlns:a16="http://schemas.microsoft.com/office/drawing/2014/main" val="1603467785"/>
+                  </a:ext>
+                </a:extLst>
+              </a:tr>
+              <a:tr h="540000">
+                <a:tc>
+                  <a:txBody>
+                    <a:bodyPr/>
+                    <a:lstStyle/>
+                    <a:p>
+                      <a:pPr algn="just" latinLnBrk="1"/>
+                      <a:r>
+                        <a:rPr lang="ko-KR" altLang="en-US" sz="1400" b="1" dirty="0"/>
+                        <a:t>영상 필터링 서비스 구현</a:t>
+                      </a:r>
+                    </a:p>
+                  </a:txBody>
+                  <a:tcPr anchor="ctr">
+                    <a:lnR w="3175" cap="flat" cmpd="sng" algn="ctr">
+                      <a:solidFill>
+                        <a:schemeClr val="tx1"/>
+                      </a:solidFill>
+                      <a:prstDash val="solid"/>
+                      <a:round/>
+                      <a:headEnd type="none" w="med" len="med"/>
+                      <a:tailEnd type="none" w="med" len="med"/>
+                    </a:lnR>
+                  </a:tcPr>
+                </a:tc>
+                <a:tc>
+                  <a:txBody>
+                    <a:bodyPr/>
+                    <a:lstStyle/>
+                    <a:p>
+                      <a:pPr latinLnBrk="1"/>
+                      <a:endParaRPr lang="ko-KR" altLang="en-US" dirty="0"/>
+                    </a:p>
+                  </a:txBody>
+                  <a:tcPr>
+                    <a:lnL w="3175" cap="flat" cmpd="sng" algn="ctr">
+                      <a:solidFill>
+                        <a:schemeClr val="tx1"/>
+                      </a:solidFill>
+                      <a:prstDash val="solid"/>
+                      <a:round/>
+                      <a:headEnd type="none" w="med" len="med"/>
+                      <a:tailEnd type="none" w="med" len="med"/>
+                    </a:lnL>
+                    <a:lnR w="3175" cap="flat" cmpd="sng" algn="ctr">
+                      <a:noFill/>
+                      <a:prstDash val="solid"/>
+                      <a:round/>
+                      <a:headEnd type="none" w="med" len="med"/>
+                      <a:tailEnd type="none" w="med" len="med"/>
+                    </a:lnR>
+                    <a:lnT w="3175" cap="flat" cmpd="sng" algn="ctr">
+                      <a:solidFill>
+                        <a:schemeClr val="tx1"/>
+                      </a:solidFill>
+                      <a:prstDash val="solid"/>
+                      <a:round/>
+                      <a:headEnd type="none" w="med" len="med"/>
+                      <a:tailEnd type="none" w="med" len="med"/>
+                    </a:lnT>
+                    <a:lnB w="3175" cap="flat" cmpd="sng" algn="ctr">
+                      <a:solidFill>
+                        <a:schemeClr val="tx1"/>
+                      </a:solidFill>
+                      <a:prstDash val="solid"/>
+                      <a:round/>
+                      <a:headEnd type="none" w="med" len="med"/>
+                      <a:tailEnd type="none" w="med" len="med"/>
+                    </a:lnB>
+                  </a:tcPr>
+                </a:tc>
+                <a:tc>
+                  <a:txBody>
+                    <a:bodyPr/>
+                    <a:lstStyle/>
+                    <a:p>
+                      <a:pPr latinLnBrk="1"/>
+                      <a:endParaRPr lang="ko-KR" altLang="en-US" dirty="0"/>
+                    </a:p>
+                  </a:txBody>
+                  <a:tcPr>
+                    <a:lnL w="3175" cap="flat" cmpd="sng" algn="ctr">
+                      <a:noFill/>
+                      <a:prstDash val="solid"/>
+                      <a:round/>
+                      <a:headEnd type="none" w="med" len="med"/>
+                      <a:tailEnd type="none" w="med" len="med"/>
+                    </a:lnL>
+                    <a:lnR>
+                      <a:noFill/>
+                    </a:lnR>
+                    <a:lnT w="3175" cap="flat" cmpd="sng" algn="ctr">
+                      <a:solidFill>
+                        <a:schemeClr val="tx1"/>
+                      </a:solidFill>
+                      <a:prstDash val="solid"/>
+                      <a:round/>
+                      <a:headEnd type="none" w="med" len="med"/>
+                      <a:tailEnd type="none" w="med" len="med"/>
+                    </a:lnT>
+                    <a:lnB w="3175" cap="flat" cmpd="sng" algn="ctr">
+                      <a:solidFill>
+                        <a:schemeClr val="tx1"/>
+                      </a:solidFill>
+                      <a:prstDash val="solid"/>
+                      <a:round/>
+                      <a:headEnd type="none" w="med" len="med"/>
+                      <a:tailEnd type="none" w="med" len="med"/>
+                    </a:lnB>
+                    <a:lnTlToBr w="12700" cmpd="sng">
+                      <a:noFill/>
+                      <a:prstDash val="solid"/>
+                    </a:lnTlToBr>
+                    <a:lnBlToTr w="12700" cmpd="sng">
+                      <a:noFill/>
+                      <a:prstDash val="solid"/>
+                    </a:lnBlToTr>
+                    <a:solidFill>
+                      <a:srgbClr val="FAFBFC"/>
+                    </a:solidFill>
+                  </a:tcPr>
+                </a:tc>
+                <a:tc>
+                  <a:txBody>
+                    <a:bodyPr/>
+                    <a:lstStyle/>
+                    <a:p>
+                      <a:pPr latinLnBrk="1"/>
+                      <a:endParaRPr lang="ko-KR" altLang="en-US" dirty="0"/>
+                    </a:p>
+                  </a:txBody>
+                  <a:tcPr>
+                    <a:lnL>
+                      <a:noFill/>
+                    </a:lnL>
+                    <a:lnR w="3175" cap="flat" cmpd="sng" algn="ctr">
+                      <a:noFill/>
+                      <a:prstDash val="solid"/>
+                      <a:round/>
+                      <a:headEnd type="none" w="med" len="med"/>
+                      <a:tailEnd type="none" w="med" len="med"/>
+                    </a:lnR>
+                    <a:lnT w="3175" cap="flat" cmpd="sng" algn="ctr">
+                      <a:solidFill>
+                        <a:schemeClr val="tx1"/>
+                      </a:solidFill>
+                      <a:prstDash val="solid"/>
+                      <a:round/>
+                      <a:headEnd type="none" w="med" len="med"/>
+                      <a:tailEnd type="none" w="med" len="med"/>
+                    </a:lnT>
+                    <a:lnB w="3175" cap="flat" cmpd="sng" algn="ctr">
+                      <a:solidFill>
+                        <a:schemeClr val="tx1"/>
+                      </a:solidFill>
+                      <a:prstDash val="solid"/>
+                      <a:round/>
+                      <a:headEnd type="none" w="med" len="med"/>
+                      <a:tailEnd type="none" w="med" len="med"/>
+                    </a:lnB>
+                    <a:lnTlToBr w="12700" cmpd="sng">
+                      <a:noFill/>
+                      <a:prstDash val="solid"/>
+                    </a:lnTlToBr>
+                    <a:lnBlToTr w="12700" cmpd="sng">
+                      <a:noFill/>
+                      <a:prstDash val="solid"/>
+                    </a:lnBlToTr>
+                    <a:solidFill>
+                      <a:srgbClr val="FAFBFC"/>
+                    </a:solidFill>
+                  </a:tcPr>
+                </a:tc>
+                <a:tc>
+                  <a:txBody>
+                    <a:bodyPr/>
+                    <a:lstStyle/>
+                    <a:p>
+                      <a:pPr latinLnBrk="1"/>
+                      <a:endParaRPr lang="ko-KR" altLang="en-US" dirty="0"/>
+                    </a:p>
+                  </a:txBody>
+                  <a:tcPr>
+                    <a:lnL w="3175" cap="flat" cmpd="sng" algn="ctr">
+                      <a:noFill/>
+                      <a:prstDash val="solid"/>
+                      <a:round/>
+                      <a:headEnd type="none" w="med" len="med"/>
+                      <a:tailEnd type="none" w="med" len="med"/>
+                    </a:lnL>
+                    <a:solidFill>
+                      <a:srgbClr val="E2F0D9"/>
+                    </a:solidFill>
+                  </a:tcPr>
+                </a:tc>
+                <a:tc>
+                  <a:txBody>
+                    <a:bodyPr/>
+                    <a:lstStyle/>
+                    <a:p>
+                      <a:pPr latinLnBrk="1"/>
+                      <a:endParaRPr lang="ko-KR" altLang="en-US" dirty="0"/>
+                    </a:p>
+                  </a:txBody>
+                  <a:tcPr>
+                    <a:solidFill>
+                      <a:srgbClr val="FAFBFC"/>
+                    </a:solidFill>
+                  </a:tcPr>
+                </a:tc>
+                <a:tc>
+                  <a:txBody>
+                    <a:bodyPr/>
+                    <a:lstStyle/>
+                    <a:p>
+                      <a:pPr latinLnBrk="1"/>
+                      <a:endParaRPr lang="ko-KR" altLang="en-US" dirty="0"/>
+                    </a:p>
+                  </a:txBody>
+                  <a:tcPr>
+                    <a:solidFill>
+                      <a:srgbClr val="FAFBFC"/>
+                    </a:solidFill>
+                  </a:tcPr>
+                </a:tc>
+                <a:extLst>
+                  <a:ext uri="{0D108BD9-81ED-4DB2-BD59-A6C34878D82A}">
+                    <a16:rowId xmlns:a16="http://schemas.microsoft.com/office/drawing/2014/main" val="3017193935"/>
+                  </a:ext>
+                </a:extLst>
+              </a:tr>
+              <a:tr h="540000">
+                <a:tc>
+                  <a:txBody>
+                    <a:bodyPr/>
+                    <a:lstStyle/>
+                    <a:p>
+                      <a:pPr algn="just" latinLnBrk="1"/>
+                      <a:r>
+                        <a:rPr lang="ko-KR" altLang="en-US" sz="1400" b="1" dirty="0"/>
+                        <a:t>음성 필터링 서비스 구현</a:t>
+                      </a:r>
+                    </a:p>
+                  </a:txBody>
+                  <a:tcPr anchor="ctr">
+                    <a:lnR w="3175" cap="flat" cmpd="sng" algn="ctr">
+                      <a:solidFill>
+                        <a:schemeClr val="tx1"/>
+                      </a:solidFill>
+                      <a:prstDash val="solid"/>
+                      <a:round/>
+                      <a:headEnd type="none" w="med" len="med"/>
+                      <a:tailEnd type="none" w="med" len="med"/>
+                    </a:lnR>
+                  </a:tcPr>
+                </a:tc>
+                <a:tc>
+                  <a:txBody>
+                    <a:bodyPr/>
+                    <a:lstStyle/>
+                    <a:p>
+                      <a:pPr latinLnBrk="1"/>
+                      <a:endParaRPr lang="ko-KR" altLang="en-US" dirty="0"/>
+                    </a:p>
+                  </a:txBody>
+                  <a:tcPr>
+                    <a:lnL w="3175" cap="flat" cmpd="sng" algn="ctr">
+                      <a:solidFill>
+                        <a:schemeClr val="tx1"/>
+                      </a:solidFill>
+                      <a:prstDash val="solid"/>
+                      <a:round/>
+                      <a:headEnd type="none" w="med" len="med"/>
+                      <a:tailEnd type="none" w="med" len="med"/>
+                    </a:lnL>
+                    <a:lnR w="3175" cap="flat" cmpd="sng" algn="ctr">
+                      <a:noFill/>
+                      <a:prstDash val="solid"/>
+                      <a:round/>
+                      <a:headEnd type="none" w="med" len="med"/>
+                      <a:tailEnd type="none" w="med" len="med"/>
+                    </a:lnR>
+                    <a:lnT w="3175" cap="flat" cmpd="sng" algn="ctr">
+                      <a:solidFill>
+                        <a:schemeClr val="tx1"/>
+                      </a:solidFill>
+                      <a:prstDash val="solid"/>
+                      <a:round/>
+                      <a:headEnd type="none" w="med" len="med"/>
+                      <a:tailEnd type="none" w="med" len="med"/>
+                    </a:lnT>
+                    <a:lnB w="3175" cap="flat" cmpd="sng" algn="ctr">
+                      <a:solidFill>
+                        <a:schemeClr val="tx1"/>
+                      </a:solidFill>
+                      <a:prstDash val="solid"/>
+                      <a:round/>
+                      <a:headEnd type="none" w="med" len="med"/>
+                      <a:tailEnd type="none" w="med" len="med"/>
+                    </a:lnB>
+                  </a:tcPr>
+                </a:tc>
+                <a:tc>
+                  <a:txBody>
+                    <a:bodyPr/>
+                    <a:lstStyle/>
+                    <a:p>
+                      <a:pPr latinLnBrk="1"/>
+                      <a:endParaRPr lang="ko-KR" altLang="en-US" dirty="0"/>
+                    </a:p>
+                  </a:txBody>
+                  <a:tcPr>
+                    <a:lnL w="3175" cap="flat" cmpd="sng" algn="ctr">
+                      <a:noFill/>
+                      <a:prstDash val="solid"/>
+                      <a:round/>
+                      <a:headEnd type="none" w="med" len="med"/>
+                      <a:tailEnd type="none" w="med" len="med"/>
+                    </a:lnL>
+                    <a:lnR>
+                      <a:noFill/>
+                    </a:lnR>
+                    <a:lnT w="3175" cap="flat" cmpd="sng" algn="ctr">
+                      <a:solidFill>
+                        <a:schemeClr val="tx1"/>
+                      </a:solidFill>
+                      <a:prstDash val="solid"/>
+                      <a:round/>
+                      <a:headEnd type="none" w="med" len="med"/>
+                      <a:tailEnd type="none" w="med" len="med"/>
+                    </a:lnT>
+                    <a:lnB w="3175" cap="flat" cmpd="sng" algn="ctr">
+                      <a:solidFill>
+                        <a:schemeClr val="tx1"/>
+                      </a:solidFill>
+                      <a:prstDash val="solid"/>
+                      <a:round/>
+                      <a:headEnd type="none" w="med" len="med"/>
+                      <a:tailEnd type="none" w="med" len="med"/>
+                    </a:lnB>
+                    <a:lnTlToBr w="12700" cmpd="sng">
+                      <a:noFill/>
+                      <a:prstDash val="solid"/>
+                    </a:lnTlToBr>
+                    <a:lnBlToTr w="12700" cmpd="sng">
+                      <a:noFill/>
+                      <a:prstDash val="solid"/>
+                    </a:lnBlToTr>
+                    <a:solidFill>
+                      <a:srgbClr val="FAFBFC"/>
+                    </a:solidFill>
+                  </a:tcPr>
+                </a:tc>
+                <a:tc>
+                  <a:txBody>
+                    <a:bodyPr/>
+                    <a:lstStyle/>
+                    <a:p>
+                      <a:pPr latinLnBrk="1"/>
+                      <a:endParaRPr lang="ko-KR" altLang="en-US" dirty="0"/>
+                    </a:p>
+                  </a:txBody>
+                  <a:tcPr>
+                    <a:lnL>
+                      <a:noFill/>
+                    </a:lnL>
+                    <a:lnR w="3175" cap="flat" cmpd="sng" algn="ctr">
+                      <a:noFill/>
+                      <a:prstDash val="solid"/>
+                      <a:round/>
+                      <a:headEnd type="none" w="med" len="med"/>
+                      <a:tailEnd type="none" w="med" len="med"/>
+                    </a:lnR>
+                    <a:lnT w="3175" cap="flat" cmpd="sng" algn="ctr">
+                      <a:solidFill>
+                        <a:schemeClr val="tx1"/>
+                      </a:solidFill>
+                      <a:prstDash val="solid"/>
+                      <a:round/>
+                      <a:headEnd type="none" w="med" len="med"/>
+                      <a:tailEnd type="none" w="med" len="med"/>
+                    </a:lnT>
+                    <a:lnB w="3175" cap="flat" cmpd="sng" algn="ctr">
+                      <a:solidFill>
+                        <a:schemeClr val="tx1"/>
+                      </a:solidFill>
+                      <a:prstDash val="solid"/>
+                      <a:round/>
+                      <a:headEnd type="none" w="med" len="med"/>
+                      <a:tailEnd type="none" w="med" len="med"/>
+                    </a:lnB>
+                    <a:lnTlToBr w="12700" cmpd="sng">
+                      <a:noFill/>
+                      <a:prstDash val="solid"/>
+                    </a:lnTlToBr>
+                    <a:lnBlToTr w="12700" cmpd="sng">
+                      <a:noFill/>
+                      <a:prstDash val="solid"/>
+                    </a:lnBlToTr>
+                    <a:solidFill>
+                      <a:srgbClr val="FAFBFC"/>
+                    </a:solidFill>
+                  </a:tcPr>
+                </a:tc>
+                <a:tc>
+                  <a:txBody>
+                    <a:bodyPr/>
+                    <a:lstStyle/>
+                    <a:p>
+                      <a:pPr latinLnBrk="1"/>
+                      <a:endParaRPr lang="ko-KR" altLang="en-US" dirty="0"/>
+                    </a:p>
+                  </a:txBody>
+                  <a:tcPr>
+                    <a:lnL w="3175" cap="flat" cmpd="sng" algn="ctr">
+                      <a:noFill/>
+                      <a:prstDash val="solid"/>
+                      <a:round/>
+                      <a:headEnd type="none" w="med" len="med"/>
+                      <a:tailEnd type="none" w="med" len="med"/>
+                    </a:lnL>
+                    <a:solidFill>
+                      <a:srgbClr val="FAFBFC"/>
+                    </a:solidFill>
+                  </a:tcPr>
+                </a:tc>
+                <a:tc>
+                  <a:txBody>
+                    <a:bodyPr/>
+                    <a:lstStyle/>
+                    <a:p>
+                      <a:pPr latinLnBrk="1"/>
+                      <a:endParaRPr lang="ko-KR" altLang="en-US" dirty="0"/>
+                    </a:p>
+                  </a:txBody>
+                  <a:tcPr>
+                    <a:solidFill>
+                      <a:srgbClr val="E2F0D9"/>
+                    </a:solidFill>
+                  </a:tcPr>
+                </a:tc>
+                <a:tc>
+                  <a:txBody>
+                    <a:bodyPr/>
+                    <a:lstStyle/>
+                    <a:p>
+                      <a:pPr latinLnBrk="1"/>
+                      <a:endParaRPr lang="ko-KR" altLang="en-US" dirty="0"/>
+                    </a:p>
+                  </a:txBody>
+                  <a:tcPr>
+                    <a:solidFill>
+                      <a:srgbClr val="FAFBFC"/>
+                    </a:solidFill>
+                  </a:tcPr>
+                </a:tc>
+                <a:extLst>
+                  <a:ext uri="{0D108BD9-81ED-4DB2-BD59-A6C34878D82A}">
+                    <a16:rowId xmlns:a16="http://schemas.microsoft.com/office/drawing/2014/main" val="3319595188"/>
+                  </a:ext>
+                </a:extLst>
+              </a:tr>
+              <a:tr h="540000">
+                <a:tc>
+                  <a:txBody>
+                    <a:bodyPr/>
+                    <a:lstStyle/>
+                    <a:p>
+                      <a:pPr algn="just" latinLnBrk="1"/>
+                      <a:r>
+                        <a:rPr lang="ko-KR" altLang="en-US" sz="1400" b="1" dirty="0"/>
+                        <a:t>웹페이지 구현</a:t>
+                      </a:r>
+                    </a:p>
+                  </a:txBody>
+                  <a:tcPr anchor="ctr">
+                    <a:lnR w="3175" cap="flat" cmpd="sng" algn="ctr">
+                      <a:solidFill>
+                        <a:schemeClr val="tx1"/>
+                      </a:solidFill>
+                      <a:prstDash val="solid"/>
+                      <a:round/>
+                      <a:headEnd type="none" w="med" len="med"/>
+                      <a:tailEnd type="none" w="med" len="med"/>
+                    </a:lnR>
+                  </a:tcPr>
+                </a:tc>
+                <a:tc>
+                  <a:txBody>
+                    <a:bodyPr/>
+                    <a:lstStyle/>
+                    <a:p>
+                      <a:pPr latinLnBrk="1"/>
+                      <a:endParaRPr lang="ko-KR" altLang="en-US" dirty="0"/>
+                    </a:p>
+                  </a:txBody>
+                  <a:tcPr>
+                    <a:lnL w="3175" cap="flat" cmpd="sng" algn="ctr">
+                      <a:solidFill>
+                        <a:schemeClr val="tx1"/>
+                      </a:solidFill>
+                      <a:prstDash val="solid"/>
+                      <a:round/>
+                      <a:headEnd type="none" w="med" len="med"/>
+                      <a:tailEnd type="none" w="med" len="med"/>
+                    </a:lnL>
+                    <a:lnR w="3175" cap="flat" cmpd="sng" algn="ctr">
+                      <a:noFill/>
+                      <a:prstDash val="solid"/>
+                      <a:round/>
+                      <a:headEnd type="none" w="med" len="med"/>
+                      <a:tailEnd type="none" w="med" len="med"/>
+                    </a:lnR>
+                    <a:lnT w="3175" cap="flat" cmpd="sng" algn="ctr">
+                      <a:solidFill>
+                        <a:schemeClr val="tx1"/>
+                      </a:solidFill>
+                      <a:prstDash val="solid"/>
+                      <a:round/>
+                      <a:headEnd type="none" w="med" len="med"/>
+                      <a:tailEnd type="none" w="med" len="med"/>
+                    </a:lnT>
+                    <a:lnB w="3175" cap="flat" cmpd="sng" algn="ctr">
+                      <a:solidFill>
+                        <a:schemeClr val="tx1"/>
+                      </a:solidFill>
+                      <a:prstDash val="solid"/>
+                      <a:round/>
+                      <a:headEnd type="none" w="med" len="med"/>
+                      <a:tailEnd type="none" w="med" len="med"/>
+                    </a:lnB>
+                  </a:tcPr>
+                </a:tc>
+                <a:tc>
+                  <a:txBody>
+                    <a:bodyPr/>
+                    <a:lstStyle/>
+                    <a:p>
+                      <a:pPr latinLnBrk="1"/>
+                      <a:endParaRPr lang="ko-KR" altLang="en-US" dirty="0"/>
+                    </a:p>
+                  </a:txBody>
+                  <a:tcPr>
+                    <a:lnL w="3175" cap="flat" cmpd="sng" algn="ctr">
+                      <a:noFill/>
+                      <a:prstDash val="solid"/>
+                      <a:round/>
+                      <a:headEnd type="none" w="med" len="med"/>
+                      <a:tailEnd type="none" w="med" len="med"/>
+                    </a:lnL>
+                    <a:lnR>
+                      <a:noFill/>
+                    </a:lnR>
+                    <a:lnT w="3175" cap="flat" cmpd="sng" algn="ctr">
+                      <a:solidFill>
+                        <a:schemeClr val="tx1"/>
+                      </a:solidFill>
+                      <a:prstDash val="solid"/>
+                      <a:round/>
+                      <a:headEnd type="none" w="med" len="med"/>
+                      <a:tailEnd type="none" w="med" len="med"/>
+                    </a:lnT>
+                    <a:lnB w="3175" cap="flat" cmpd="sng" algn="ctr">
+                      <a:solidFill>
+                        <a:schemeClr val="tx1"/>
+                      </a:solidFill>
+                      <a:prstDash val="solid"/>
+                      <a:round/>
+                      <a:headEnd type="none" w="med" len="med"/>
+                      <a:tailEnd type="none" w="med" len="med"/>
+                    </a:lnB>
+                    <a:lnTlToBr w="12700" cmpd="sng">
+                      <a:noFill/>
+                      <a:prstDash val="solid"/>
+                    </a:lnTlToBr>
+                    <a:lnBlToTr w="12700" cmpd="sng">
+                      <a:noFill/>
+                      <a:prstDash val="solid"/>
+                    </a:lnBlToTr>
+                    <a:solidFill>
+                      <a:srgbClr val="FAFBFC"/>
+                    </a:solidFill>
+                  </a:tcPr>
+                </a:tc>
+                <a:tc>
+                  <a:txBody>
+                    <a:bodyPr/>
+                    <a:lstStyle/>
+                    <a:p>
+                      <a:pPr latinLnBrk="1"/>
+                      <a:endParaRPr lang="ko-KR" altLang="en-US" dirty="0"/>
+                    </a:p>
+                  </a:txBody>
+                  <a:tcPr>
+                    <a:lnL>
+                      <a:noFill/>
+                    </a:lnL>
+                    <a:lnR w="3175" cap="flat" cmpd="sng" algn="ctr">
+                      <a:noFill/>
+                      <a:prstDash val="solid"/>
+                      <a:round/>
+                      <a:headEnd type="none" w="med" len="med"/>
+                      <a:tailEnd type="none" w="med" len="med"/>
+                    </a:lnR>
+                    <a:lnT w="3175" cap="flat" cmpd="sng" algn="ctr">
+                      <a:solidFill>
+                        <a:schemeClr val="tx1"/>
+                      </a:solidFill>
+                      <a:prstDash val="solid"/>
+                      <a:round/>
+                      <a:headEnd type="none" w="med" len="med"/>
+                      <a:tailEnd type="none" w="med" len="med"/>
+                    </a:lnT>
+                    <a:lnB w="3175" cap="flat" cmpd="sng" algn="ctr">
+                      <a:solidFill>
+                        <a:schemeClr val="tx1"/>
+                      </a:solidFill>
+                      <a:prstDash val="solid"/>
+                      <a:round/>
+                      <a:headEnd type="none" w="med" len="med"/>
+                      <a:tailEnd type="none" w="med" len="med"/>
+                    </a:lnB>
+                    <a:lnTlToBr w="12700" cmpd="sng">
+                      <a:noFill/>
+                      <a:prstDash val="solid"/>
+                    </a:lnTlToBr>
+                    <a:lnBlToTr w="12700" cmpd="sng">
+                      <a:noFill/>
+                      <a:prstDash val="solid"/>
+                    </a:lnBlToTr>
+                    <a:solidFill>
+                      <a:srgbClr val="FAFBFC"/>
+                    </a:solidFill>
+                  </a:tcPr>
+                </a:tc>
+                <a:tc>
+                  <a:txBody>
+                    <a:bodyPr/>
+                    <a:lstStyle/>
+                    <a:p>
+                      <a:pPr latinLnBrk="1"/>
+                      <a:endParaRPr lang="ko-KR" altLang="en-US" dirty="0"/>
+                    </a:p>
+                  </a:txBody>
+                  <a:tcPr>
+                    <a:lnL w="3175" cap="flat" cmpd="sng" algn="ctr">
+                      <a:noFill/>
+                      <a:prstDash val="solid"/>
+                      <a:round/>
+                      <a:headEnd type="none" w="med" len="med"/>
+                      <a:tailEnd type="none" w="med" len="med"/>
+                    </a:lnL>
+                    <a:solidFill>
+                      <a:srgbClr val="FAFBFC"/>
+                    </a:solidFill>
+                  </a:tcPr>
+                </a:tc>
+                <a:tc>
+                  <a:txBody>
+                    <a:bodyPr/>
+                    <a:lstStyle/>
+                    <a:p>
+                      <a:pPr latinLnBrk="1"/>
+                      <a:endParaRPr lang="ko-KR" altLang="en-US" dirty="0"/>
+                    </a:p>
+                  </a:txBody>
+                  <a:tcPr>
+                    <a:solidFill>
+                      <a:srgbClr val="E2F0D9"/>
+                    </a:solidFill>
+                  </a:tcPr>
+                </a:tc>
+                <a:tc>
+                  <a:txBody>
+                    <a:bodyPr/>
+                    <a:lstStyle/>
+                    <a:p>
+                      <a:pPr latinLnBrk="1"/>
+                      <a:endParaRPr lang="ko-KR" altLang="en-US" dirty="0"/>
+                    </a:p>
+                  </a:txBody>
+                  <a:tcPr>
+                    <a:solidFill>
+                      <a:srgbClr val="FAFBFC"/>
+                    </a:solidFill>
+                  </a:tcPr>
+                </a:tc>
+                <a:extLst>
+                  <a:ext uri="{0D108BD9-81ED-4DB2-BD59-A6C34878D82A}">
+                    <a16:rowId xmlns:a16="http://schemas.microsoft.com/office/drawing/2014/main" val="4160252203"/>
+                  </a:ext>
+                </a:extLst>
+              </a:tr>
+              <a:tr h="540000">
+                <a:tc>
+                  <a:txBody>
+                    <a:bodyPr/>
+                    <a:lstStyle/>
+                    <a:p>
+                      <a:pPr algn="just" latinLnBrk="1"/>
+                      <a:r>
+                        <a:rPr lang="ko-KR" altLang="en-US" sz="1400" b="1" dirty="0"/>
+                        <a:t>시스템 테스트 및 보완</a:t>
+                      </a:r>
+                    </a:p>
+                  </a:txBody>
+                  <a:tcPr anchor="ctr">
+                    <a:lnR w="3175" cap="flat" cmpd="sng" algn="ctr">
+                      <a:solidFill>
+                        <a:schemeClr val="tx1"/>
+                      </a:solidFill>
+                      <a:prstDash val="solid"/>
+                      <a:round/>
+                      <a:headEnd type="none" w="med" len="med"/>
+                      <a:tailEnd type="none" w="med" len="med"/>
+                    </a:lnR>
+                  </a:tcPr>
+                </a:tc>
+                <a:tc>
+                  <a:txBody>
+                    <a:bodyPr/>
+                    <a:lstStyle/>
+                    <a:p>
+                      <a:pPr latinLnBrk="1"/>
+                      <a:endParaRPr lang="ko-KR" altLang="en-US" dirty="0"/>
+                    </a:p>
+                  </a:txBody>
+                  <a:tcPr>
+                    <a:lnL w="3175" cap="flat" cmpd="sng" algn="ctr">
+                      <a:solidFill>
+                        <a:schemeClr val="tx1"/>
+                      </a:solidFill>
+                      <a:prstDash val="solid"/>
+                      <a:round/>
+                      <a:headEnd type="none" w="med" len="med"/>
+                      <a:tailEnd type="none" w="med" len="med"/>
+                    </a:lnL>
+                    <a:lnR w="3175" cap="flat" cmpd="sng" algn="ctr">
+                      <a:noFill/>
+                      <a:prstDash val="solid"/>
+                      <a:round/>
+                      <a:headEnd type="none" w="med" len="med"/>
+                      <a:tailEnd type="none" w="med" len="med"/>
+                    </a:lnR>
+                    <a:lnT w="3175" cap="flat" cmpd="sng" algn="ctr">
+                      <a:solidFill>
+                        <a:schemeClr val="tx1"/>
+                      </a:solidFill>
+                      <a:prstDash val="solid"/>
+                      <a:round/>
+                      <a:headEnd type="none" w="med" len="med"/>
+                      <a:tailEnd type="none" w="med" len="med"/>
+                    </a:lnT>
+                    <a:lnB w="3175" cap="flat" cmpd="sng" algn="ctr">
+                      <a:solidFill>
+                        <a:schemeClr val="tx1"/>
+                      </a:solidFill>
+                      <a:prstDash val="solid"/>
+                      <a:round/>
+                      <a:headEnd type="none" w="med" len="med"/>
+                      <a:tailEnd type="none" w="med" len="med"/>
+                    </a:lnB>
+                  </a:tcPr>
+                </a:tc>
+                <a:tc>
+                  <a:txBody>
+                    <a:bodyPr/>
+                    <a:lstStyle/>
+                    <a:p>
+                      <a:pPr latinLnBrk="1"/>
+                      <a:endParaRPr lang="ko-KR" altLang="en-US" dirty="0"/>
+                    </a:p>
+                  </a:txBody>
+                  <a:tcPr>
+                    <a:lnL w="3175" cap="flat" cmpd="sng" algn="ctr">
+                      <a:noFill/>
+                      <a:prstDash val="solid"/>
+                      <a:round/>
+                      <a:headEnd type="none" w="med" len="med"/>
+                      <a:tailEnd type="none" w="med" len="med"/>
+                    </a:lnL>
+                    <a:lnR>
+                      <a:noFill/>
+                    </a:lnR>
+                    <a:lnT w="3175" cap="flat" cmpd="sng" algn="ctr">
+                      <a:solidFill>
+                        <a:schemeClr val="tx1"/>
+                      </a:solidFill>
+                      <a:prstDash val="solid"/>
+                      <a:round/>
+                      <a:headEnd type="none" w="med" len="med"/>
+                      <a:tailEnd type="none" w="med" len="med"/>
+                    </a:lnT>
+                    <a:lnB w="3175" cap="flat" cmpd="sng" algn="ctr">
+                      <a:solidFill>
+                        <a:schemeClr val="tx1"/>
+                      </a:solidFill>
+                      <a:prstDash val="solid"/>
+                      <a:round/>
+                      <a:headEnd type="none" w="med" len="med"/>
+                      <a:tailEnd type="none" w="med" len="med"/>
+                    </a:lnB>
+                    <a:lnTlToBr w="12700" cmpd="sng">
+                      <a:noFill/>
+                      <a:prstDash val="solid"/>
+                    </a:lnTlToBr>
+                    <a:lnBlToTr w="12700" cmpd="sng">
+                      <a:noFill/>
+                      <a:prstDash val="solid"/>
+                    </a:lnBlToTr>
+                    <a:solidFill>
+                      <a:srgbClr val="FAFBFC"/>
+                    </a:solidFill>
+                  </a:tcPr>
+                </a:tc>
+                <a:tc>
+                  <a:txBody>
+                    <a:bodyPr/>
+                    <a:lstStyle/>
+                    <a:p>
+                      <a:pPr latinLnBrk="1"/>
+                      <a:endParaRPr lang="ko-KR" altLang="en-US" dirty="0"/>
+                    </a:p>
+                  </a:txBody>
+                  <a:tcPr>
+                    <a:lnL>
+                      <a:noFill/>
+                    </a:lnL>
+                    <a:lnR w="3175" cap="flat" cmpd="sng" algn="ctr">
+                      <a:noFill/>
+                      <a:prstDash val="solid"/>
+                      <a:round/>
+                      <a:headEnd type="none" w="med" len="med"/>
+                      <a:tailEnd type="none" w="med" len="med"/>
+                    </a:lnR>
+                    <a:lnT w="3175" cap="flat" cmpd="sng" algn="ctr">
+                      <a:solidFill>
+                        <a:schemeClr val="tx1"/>
+                      </a:solidFill>
+                      <a:prstDash val="solid"/>
+                      <a:round/>
+                      <a:headEnd type="none" w="med" len="med"/>
+                      <a:tailEnd type="none" w="med" len="med"/>
+                    </a:lnT>
+                    <a:lnB w="3175" cap="flat" cmpd="sng" algn="ctr">
+                      <a:solidFill>
+                        <a:schemeClr val="tx1"/>
+                      </a:solidFill>
+                      <a:prstDash val="solid"/>
+                      <a:round/>
+                      <a:headEnd type="none" w="med" len="med"/>
+                      <a:tailEnd type="none" w="med" len="med"/>
+                    </a:lnB>
+                    <a:lnTlToBr w="12700" cmpd="sng">
+                      <a:noFill/>
+                      <a:prstDash val="solid"/>
+                    </a:lnTlToBr>
+                    <a:lnBlToTr w="12700" cmpd="sng">
+                      <a:noFill/>
+                      <a:prstDash val="solid"/>
+                    </a:lnBlToTr>
+                    <a:solidFill>
+                      <a:srgbClr val="FAFBFC"/>
+                    </a:solidFill>
+                  </a:tcPr>
+                </a:tc>
+                <a:tc>
+                  <a:txBody>
+                    <a:bodyPr/>
+                    <a:lstStyle/>
+                    <a:p>
+                      <a:pPr latinLnBrk="1"/>
+                      <a:endParaRPr lang="ko-KR" altLang="en-US" dirty="0"/>
+                    </a:p>
+                  </a:txBody>
+                  <a:tcPr>
+                    <a:lnL w="3175" cap="flat" cmpd="sng" algn="ctr">
+                      <a:noFill/>
+                      <a:prstDash val="solid"/>
+                      <a:round/>
+                      <a:headEnd type="none" w="med" len="med"/>
+                      <a:tailEnd type="none" w="med" len="med"/>
+                    </a:lnL>
+                    <a:solidFill>
+                      <a:srgbClr val="FAFBFC"/>
+                    </a:solidFill>
+                  </a:tcPr>
+                </a:tc>
+                <a:tc>
+                  <a:txBody>
+                    <a:bodyPr/>
+                    <a:lstStyle/>
+                    <a:p>
+                      <a:pPr latinLnBrk="1"/>
+                      <a:endParaRPr lang="ko-KR" altLang="en-US" dirty="0"/>
+                    </a:p>
+                  </a:txBody>
+                  <a:tcPr>
+                    <a:solidFill>
+                      <a:srgbClr val="FAFBFC"/>
+                    </a:solidFill>
+                  </a:tcPr>
+                </a:tc>
+                <a:tc>
+                  <a:txBody>
+                    <a:bodyPr/>
+                    <a:lstStyle/>
+                    <a:p>
+                      <a:pPr latinLnBrk="1"/>
+                      <a:endParaRPr lang="ko-KR" altLang="en-US" dirty="0"/>
+                    </a:p>
+                  </a:txBody>
+                  <a:tcPr>
+                    <a:solidFill>
+                      <a:srgbClr val="E2F0D9"/>
+                    </a:solidFill>
+                  </a:tcPr>
+                </a:tc>
+                <a:extLst>
+                  <a:ext uri="{0D108BD9-81ED-4DB2-BD59-A6C34878D82A}">
+                    <a16:rowId xmlns:a16="http://schemas.microsoft.com/office/drawing/2014/main" val="649729328"/>
+                  </a:ext>
+                </a:extLst>
+              </a:tr>
+            </a:tbl>
+          </a:graphicData>
+        </a:graphic>
+      </p:graphicFrame>
+    </p:spTree>
+    <p:extLst>
+      <p:ext uri="{BB962C8B-B14F-4D97-AF65-F5344CB8AC3E}">
+        <p14:creationId xmlns:p14="http://schemas.microsoft.com/office/powerpoint/2010/main" val="3451541875"/>
       </p:ext>
     </p:extLst>
   </p:cSld>
